--- a/PPTs/01 Getting Started.pptx
+++ b/PPTs/01 Getting Started.pptx
@@ -5,7 +5,7 @@
     <p:sldMasterId id="2147483672" r:id="rId1"/>
   </p:sldMasterIdLst>
   <p:notesMasterIdLst>
-    <p:notesMasterId r:id="rId34"/>
+    <p:notesMasterId r:id="rId36"/>
   </p:notesMasterIdLst>
   <p:sldIdLst>
     <p:sldId id="256" r:id="rId2"/>
@@ -35,11 +35,13 @@
     <p:sldId id="381" r:id="rId26"/>
     <p:sldId id="382" r:id="rId27"/>
     <p:sldId id="466" r:id="rId28"/>
-    <p:sldId id="467" r:id="rId29"/>
-    <p:sldId id="468" r:id="rId30"/>
-    <p:sldId id="470" r:id="rId31"/>
-    <p:sldId id="469" r:id="rId32"/>
-    <p:sldId id="401" r:id="rId33"/>
+    <p:sldId id="471" r:id="rId29"/>
+    <p:sldId id="472" r:id="rId30"/>
+    <p:sldId id="467" r:id="rId31"/>
+    <p:sldId id="468" r:id="rId32"/>
+    <p:sldId id="470" r:id="rId33"/>
+    <p:sldId id="469" r:id="rId34"/>
+    <p:sldId id="401" r:id="rId35"/>
   </p:sldIdLst>
   <p:sldSz cx="9144000" cy="6858000" type="screen4x3"/>
   <p:notesSz cx="6858000" cy="9144000"/>
@@ -170,6 +172,8 @@
             <p14:sldId id="381"/>
             <p14:sldId id="382"/>
             <p14:sldId id="466"/>
+            <p14:sldId id="471"/>
+            <p14:sldId id="472"/>
             <p14:sldId id="467"/>
             <p14:sldId id="468"/>
             <p14:sldId id="470"/>
@@ -3168,7 +3172,7 @@
             <a:fld id="{4991502B-FFA8-47B9-B4E5-980CA415BAFF}" type="datetimeFigureOut">
               <a:rPr lang="en-US" smtClean="0"/>
               <a:pPr/>
-              <a:t>7/5/2018</a:t>
+              <a:t>7/9/2018</a:t>
             </a:fld>
             <a:endParaRPr lang="en-US"/>
           </a:p>
@@ -10878,10 +10882,9 @@
           <a:lstStyle/>
           <a:p>
             <a:r>
-              <a:rPr lang="en-US" dirty="0" err="1"/>
-              <a:t>Boostrapping</a:t>
-            </a:r>
-            <a:endParaRPr lang="en-US" dirty="0"/>
+              <a:rPr lang="en-US" dirty="0"/>
+              <a:t>Bootstrapping</a:t>
+            </a:r>
           </a:p>
         </p:txBody>
       </p:sp>
@@ -12158,7 +12161,7 @@
           <a:p>
             <a:r>
               <a:rPr lang="en-US" dirty="0"/>
-              <a:t>Use is to customize aspects of @angular/cli</a:t>
+              <a:t>Use it to customize aspects of @angular/cli</a:t>
             </a:r>
           </a:p>
           <a:p>
@@ -14130,7 +14133,7 @@
           <p:cNvPr id="2" name="Title 1">
             <a:extLst>
               <a:ext uri="{FF2B5EF4-FFF2-40B4-BE49-F238E27FC236}">
-                <a16:creationId xmlns:a16="http://schemas.microsoft.com/office/drawing/2014/main" id="{7F272BE4-6000-4057-B8E8-15F122F683F1}"/>
+                <a16:creationId xmlns:a16="http://schemas.microsoft.com/office/drawing/2014/main" id="{EDCFF609-3C2E-4BDC-9FD5-C9EAA3F0E9E6}"/>
               </a:ext>
             </a:extLst>
           </p:cNvPr>
@@ -14148,7 +14151,7 @@
           <a:p>
             <a:r>
               <a:rPr lang="en-US" dirty="0"/>
-              <a:t>SCSS</a:t>
+              <a:t>Request an asset</a:t>
             </a:r>
             <a:endParaRPr lang="he-IL" dirty="0"/>
           </a:p>
@@ -14159,7 +14162,7 @@
           <p:cNvPr id="3" name="Footer Placeholder 2">
             <a:extLst>
               <a:ext uri="{FF2B5EF4-FFF2-40B4-BE49-F238E27FC236}">
-                <a16:creationId xmlns:a16="http://schemas.microsoft.com/office/drawing/2014/main" id="{E6EE77EF-DE71-4458-86DF-E46C5EB01007}"/>
+                <a16:creationId xmlns:a16="http://schemas.microsoft.com/office/drawing/2014/main" id="{7AA65D85-C9CA-4458-9DE9-D8EABA92F368}"/>
               </a:ext>
             </a:extLst>
           </p:cNvPr>
@@ -14188,7 +14191,7 @@
           <p:cNvPr id="4" name="Slide Number Placeholder 3">
             <a:extLst>
               <a:ext uri="{FF2B5EF4-FFF2-40B4-BE49-F238E27FC236}">
-                <a16:creationId xmlns:a16="http://schemas.microsoft.com/office/drawing/2014/main" id="{9D5BDEBF-C085-4D4E-87EC-24F306FF7AC7}"/>
+                <a16:creationId xmlns:a16="http://schemas.microsoft.com/office/drawing/2014/main" id="{88AA9E6F-F573-4BAC-9253-5418748CCD70}"/>
               </a:ext>
             </a:extLst>
           </p:cNvPr>
@@ -14220,7 +14223,7 @@
           <p:cNvPr id="5" name="Content Placeholder 4">
             <a:extLst>
               <a:ext uri="{FF2B5EF4-FFF2-40B4-BE49-F238E27FC236}">
-                <a16:creationId xmlns:a16="http://schemas.microsoft.com/office/drawing/2014/main" id="{4DFC5A27-7380-4C18-96EA-1EA38C51FE40}"/>
+                <a16:creationId xmlns:a16="http://schemas.microsoft.com/office/drawing/2014/main" id="{A3B664FE-3193-4272-A982-F47EB570C2F7}"/>
               </a:ext>
             </a:extLst>
           </p:cNvPr>
@@ -14238,79 +14241,745 @@
           <a:p>
             <a:r>
               <a:rPr lang="en-US" dirty="0"/>
-              <a:t>By default @angular/cli uses simple CSS files</a:t>
-            </a:r>
-          </a:p>
-          <a:p>
+              <a:t>Inject </a:t>
+            </a:r>
+            <a:r>
+              <a:rPr lang="en-US" dirty="0" err="1"/>
+              <a:t>HttpClient</a:t>
+            </a:r>
             <a:r>
               <a:rPr lang="en-US" dirty="0"/>
-              <a:t>You may fix that</a:t>
-            </a:r>
-          </a:p>
-          <a:p>
-            <a:pPr lvl="1"/>
+              <a:t> into a component</a:t>
+            </a:r>
+          </a:p>
+          <a:p>
             <a:r>
               <a:rPr lang="en-US" dirty="0"/>
-              <a:t>defaults/</a:t>
+              <a:t>import the </a:t>
             </a:r>
             <a:r>
               <a:rPr lang="en-US" dirty="0" err="1"/>
-              <a:t>styleExt</a:t>
-            </a:r>
-            <a:r>
-              <a:rPr lang="en-US" dirty="0"/>
+              <a:t>HttpClientModule</a:t>
+            </a:r>
+            <a:endParaRPr lang="he-IL" dirty="0"/>
+          </a:p>
+        </p:txBody>
+      </p:sp>
+      <p:sp>
+        <p:nvSpPr>
+          <p:cNvPr id="6" name="Rectangle 5">
+            <a:extLst>
+              <a:ext uri="{FF2B5EF4-FFF2-40B4-BE49-F238E27FC236}">
+                <a16:creationId xmlns:a16="http://schemas.microsoft.com/office/drawing/2014/main" id="{4965C2E6-9540-4B38-93E6-658001B7D5AA}"/>
+              </a:ext>
+            </a:extLst>
+          </p:cNvPr>
+          <p:cNvSpPr/>
+          <p:nvPr/>
+        </p:nvSpPr>
+        <p:spPr>
+          <a:xfrm>
+            <a:off x="495300" y="3140968"/>
+            <a:ext cx="8153400" cy="3231654"/>
+          </a:xfrm>
+          <a:prstGeom prst="rect">
+            <a:avLst/>
+          </a:prstGeom>
+          <a:solidFill>
+            <a:schemeClr val="accent1">
+              <a:lumMod val="40000"/>
+              <a:lumOff val="60000"/>
+            </a:schemeClr>
+          </a:solidFill>
+        </p:spPr>
+        <p:txBody>
+          <a:bodyPr wrap="square">
+            <a:spAutoFit/>
+          </a:bodyPr>
+          <a:lstStyle/>
+          <a:p>
+            <a:r>
+              <a:rPr lang="en-US" sz="1200" b="1" dirty="0">
+                <a:solidFill>
+                  <a:srgbClr val="000080"/>
+                </a:solidFill>
+                <a:latin typeface="Courier New" panose="02070309020205020404" pitchFamily="49" charset="0"/>
+                <a:ea typeface="Times New Roman" panose="02020603050405020304" pitchFamily="18" charset="0"/>
+              </a:rPr>
+              <a:t>export class </a:t>
+            </a:r>
+            <a:r>
+              <a:rPr lang="en-US" sz="1200" dirty="0" err="1">
+                <a:solidFill>
+                  <a:srgbClr val="000000"/>
+                </a:solidFill>
+                <a:latin typeface="Courier New" panose="02070309020205020404" pitchFamily="49" charset="0"/>
+                <a:ea typeface="Times New Roman" panose="02020603050405020304" pitchFamily="18" charset="0"/>
+              </a:rPr>
+              <a:t>AppComponent</a:t>
+            </a:r>
+            <a:r>
+              <a:rPr lang="en-US" sz="1200" dirty="0">
+                <a:solidFill>
+                  <a:srgbClr val="000000"/>
+                </a:solidFill>
+                <a:latin typeface="Courier New" panose="02070309020205020404" pitchFamily="49" charset="0"/>
+                <a:ea typeface="Times New Roman" panose="02020603050405020304" pitchFamily="18" charset="0"/>
+              </a:rPr>
+              <a:t> {</a:t>
+            </a:r>
+            <a:br>
+              <a:rPr lang="en-US" sz="1200" dirty="0">
+                <a:solidFill>
+                  <a:srgbClr val="000000"/>
+                </a:solidFill>
+                <a:latin typeface="Courier New" panose="02070309020205020404" pitchFamily="49" charset="0"/>
+                <a:ea typeface="Times New Roman" panose="02020603050405020304" pitchFamily="18" charset="0"/>
+              </a:rPr>
+            </a:br>
+            <a:r>
+              <a:rPr lang="en-US" sz="1200" dirty="0">
+                <a:solidFill>
+                  <a:srgbClr val="000000"/>
+                </a:solidFill>
+                <a:latin typeface="Courier New" panose="02070309020205020404" pitchFamily="49" charset="0"/>
+                <a:ea typeface="Times New Roman" panose="02020603050405020304" pitchFamily="18" charset="0"/>
+              </a:rPr>
+              <a:t>  </a:t>
+            </a:r>
+            <a:r>
+              <a:rPr lang="en-US" sz="1200" b="1" dirty="0">
+                <a:solidFill>
+                  <a:srgbClr val="660E7A"/>
+                </a:solidFill>
+                <a:latin typeface="Courier New" panose="02070309020205020404" pitchFamily="49" charset="0"/>
+                <a:ea typeface="Times New Roman" panose="02020603050405020304" pitchFamily="18" charset="0"/>
+              </a:rPr>
+              <a:t>contacts</a:t>
+            </a:r>
+            <a:r>
+              <a:rPr lang="en-US" sz="1200" dirty="0">
+                <a:solidFill>
+                  <a:srgbClr val="000000"/>
+                </a:solidFill>
+                <a:latin typeface="Courier New" panose="02070309020205020404" pitchFamily="49" charset="0"/>
+                <a:ea typeface="Times New Roman" panose="02020603050405020304" pitchFamily="18" charset="0"/>
+              </a:rPr>
+              <a:t>: Contact[];</a:t>
+            </a:r>
+            <a:br>
+              <a:rPr lang="en-US" sz="1200" dirty="0">
+                <a:solidFill>
+                  <a:srgbClr val="000000"/>
+                </a:solidFill>
+                <a:latin typeface="Courier New" panose="02070309020205020404" pitchFamily="49" charset="0"/>
+                <a:ea typeface="Times New Roman" panose="02020603050405020304" pitchFamily="18" charset="0"/>
+              </a:rPr>
+            </a:br>
+            <a:br>
+              <a:rPr lang="en-US" sz="1200" dirty="0">
+                <a:solidFill>
+                  <a:srgbClr val="000000"/>
+                </a:solidFill>
+                <a:latin typeface="Courier New" panose="02070309020205020404" pitchFamily="49" charset="0"/>
+                <a:ea typeface="Times New Roman" panose="02020603050405020304" pitchFamily="18" charset="0"/>
+              </a:rPr>
+            </a:br>
+            <a:r>
+              <a:rPr lang="en-US" sz="1200" dirty="0">
+                <a:solidFill>
+                  <a:srgbClr val="000000"/>
+                </a:solidFill>
+                <a:latin typeface="Courier New" panose="02070309020205020404" pitchFamily="49" charset="0"/>
+                <a:ea typeface="Times New Roman" panose="02020603050405020304" pitchFamily="18" charset="0"/>
+              </a:rPr>
+              <a:t>  </a:t>
+            </a:r>
+            <a:r>
+              <a:rPr lang="en-US" sz="1200" b="1" dirty="0">
+                <a:solidFill>
+                  <a:srgbClr val="000080"/>
+                </a:solidFill>
+                <a:latin typeface="Courier New" panose="02070309020205020404" pitchFamily="49" charset="0"/>
+                <a:ea typeface="Times New Roman" panose="02020603050405020304" pitchFamily="18" charset="0"/>
+              </a:rPr>
+              <a:t>constructor</a:t>
+            </a:r>
+            <a:r>
+              <a:rPr lang="en-US" sz="1200" dirty="0">
+                <a:solidFill>
+                  <a:srgbClr val="000000"/>
+                </a:solidFill>
+                <a:latin typeface="Courier New" panose="02070309020205020404" pitchFamily="49" charset="0"/>
+                <a:ea typeface="Times New Roman" panose="02020603050405020304" pitchFamily="18" charset="0"/>
+              </a:rPr>
+              <a:t>(</a:t>
+            </a:r>
+            <a:r>
+              <a:rPr lang="en-US" sz="1200" b="1" dirty="0">
+                <a:solidFill>
+                  <a:srgbClr val="000080"/>
+                </a:solidFill>
+                <a:latin typeface="Courier New" panose="02070309020205020404" pitchFamily="49" charset="0"/>
+                <a:ea typeface="Times New Roman" panose="02020603050405020304" pitchFamily="18" charset="0"/>
+              </a:rPr>
+              <a:t>private </a:t>
+            </a:r>
+            <a:r>
+              <a:rPr lang="en-US" sz="1200" b="1" dirty="0" err="1">
+                <a:solidFill>
+                  <a:srgbClr val="660E7A"/>
+                </a:solidFill>
+                <a:latin typeface="Courier New" panose="02070309020205020404" pitchFamily="49" charset="0"/>
+                <a:ea typeface="Times New Roman" panose="02020603050405020304" pitchFamily="18" charset="0"/>
+              </a:rPr>
+              <a:t>httpClient</a:t>
+            </a:r>
+            <a:r>
+              <a:rPr lang="en-US" sz="1200" dirty="0">
+                <a:solidFill>
+                  <a:srgbClr val="000000"/>
+                </a:solidFill>
+                <a:latin typeface="Courier New" panose="02070309020205020404" pitchFamily="49" charset="0"/>
+                <a:ea typeface="Times New Roman" panose="02020603050405020304" pitchFamily="18" charset="0"/>
+              </a:rPr>
+              <a:t>: </a:t>
+            </a:r>
+            <a:r>
+              <a:rPr lang="en-US" sz="1200" dirty="0" err="1">
+                <a:solidFill>
+                  <a:srgbClr val="000000"/>
+                </a:solidFill>
+                <a:latin typeface="Courier New" panose="02070309020205020404" pitchFamily="49" charset="0"/>
+                <a:ea typeface="Times New Roman" panose="02020603050405020304" pitchFamily="18" charset="0"/>
+              </a:rPr>
+              <a:t>HttpClient</a:t>
+            </a:r>
+            <a:r>
+              <a:rPr lang="en-US" sz="1200" dirty="0">
+                <a:solidFill>
+                  <a:srgbClr val="000000"/>
+                </a:solidFill>
+                <a:latin typeface="Courier New" panose="02070309020205020404" pitchFamily="49" charset="0"/>
+                <a:ea typeface="Times New Roman" panose="02020603050405020304" pitchFamily="18" charset="0"/>
+              </a:rPr>
+              <a:t>) {</a:t>
+            </a:r>
+            <a:br>
+              <a:rPr lang="en-US" sz="1200" dirty="0">
+                <a:solidFill>
+                  <a:srgbClr val="000000"/>
+                </a:solidFill>
+                <a:latin typeface="Courier New" panose="02070309020205020404" pitchFamily="49" charset="0"/>
+                <a:ea typeface="Times New Roman" panose="02020603050405020304" pitchFamily="18" charset="0"/>
+              </a:rPr>
+            </a:br>
+            <a:r>
+              <a:rPr lang="en-US" sz="1200" dirty="0">
+                <a:solidFill>
+                  <a:srgbClr val="000000"/>
+                </a:solidFill>
+                <a:latin typeface="Courier New" panose="02070309020205020404" pitchFamily="49" charset="0"/>
+                <a:ea typeface="Times New Roman" panose="02020603050405020304" pitchFamily="18" charset="0"/>
+              </a:rPr>
+              <a:t>  }</a:t>
+            </a:r>
+            <a:br>
+              <a:rPr lang="en-US" sz="1200" dirty="0">
+                <a:solidFill>
+                  <a:srgbClr val="000000"/>
+                </a:solidFill>
+                <a:latin typeface="Courier New" panose="02070309020205020404" pitchFamily="49" charset="0"/>
+                <a:ea typeface="Times New Roman" panose="02020603050405020304" pitchFamily="18" charset="0"/>
+              </a:rPr>
+            </a:br>
+            <a:br>
+              <a:rPr lang="en-US" sz="1200" dirty="0">
+                <a:solidFill>
+                  <a:srgbClr val="000000"/>
+                </a:solidFill>
+                <a:latin typeface="Courier New" panose="02070309020205020404" pitchFamily="49" charset="0"/>
+                <a:ea typeface="Times New Roman" panose="02020603050405020304" pitchFamily="18" charset="0"/>
+              </a:rPr>
+            </a:br>
+            <a:r>
+              <a:rPr lang="en-US" sz="1200" dirty="0">
+                <a:solidFill>
+                  <a:srgbClr val="000000"/>
+                </a:solidFill>
+                <a:latin typeface="Courier New" panose="02070309020205020404" pitchFamily="49" charset="0"/>
+                <a:ea typeface="Times New Roman" panose="02020603050405020304" pitchFamily="18" charset="0"/>
+              </a:rPr>
+              <a:t>  </a:t>
+            </a:r>
+            <a:r>
+              <a:rPr lang="en-US" sz="1200" dirty="0" err="1">
+                <a:solidFill>
+                  <a:srgbClr val="7A7A43"/>
+                </a:solidFill>
+                <a:latin typeface="Courier New" panose="02070309020205020404" pitchFamily="49" charset="0"/>
+                <a:ea typeface="Times New Roman" panose="02020603050405020304" pitchFamily="18" charset="0"/>
+              </a:rPr>
+              <a:t>ngOnInit</a:t>
+            </a:r>
+            <a:r>
+              <a:rPr lang="en-US" sz="1200" dirty="0">
+                <a:solidFill>
+                  <a:srgbClr val="000000"/>
+                </a:solidFill>
+                <a:latin typeface="Courier New" panose="02070309020205020404" pitchFamily="49" charset="0"/>
+                <a:ea typeface="Times New Roman" panose="02020603050405020304" pitchFamily="18" charset="0"/>
+              </a:rPr>
+              <a:t>() {</a:t>
+            </a:r>
+            <a:br>
+              <a:rPr lang="en-US" sz="1200" dirty="0">
+                <a:solidFill>
+                  <a:srgbClr val="000000"/>
+                </a:solidFill>
+                <a:latin typeface="Courier New" panose="02070309020205020404" pitchFamily="49" charset="0"/>
+                <a:ea typeface="Times New Roman" panose="02020603050405020304" pitchFamily="18" charset="0"/>
+              </a:rPr>
+            </a:br>
+            <a:r>
+              <a:rPr lang="en-US" sz="1200" dirty="0">
+                <a:solidFill>
+                  <a:srgbClr val="000000"/>
+                </a:solidFill>
+                <a:latin typeface="Courier New" panose="02070309020205020404" pitchFamily="49" charset="0"/>
+                <a:ea typeface="Times New Roman" panose="02020603050405020304" pitchFamily="18" charset="0"/>
+              </a:rPr>
+              <a:t>    </a:t>
+            </a:r>
+            <a:r>
+              <a:rPr lang="en-US" sz="1200" b="1" dirty="0" err="1">
+                <a:solidFill>
+                  <a:srgbClr val="000080"/>
+                </a:solidFill>
+                <a:latin typeface="Courier New" panose="02070309020205020404" pitchFamily="49" charset="0"/>
+                <a:ea typeface="Times New Roman" panose="02020603050405020304" pitchFamily="18" charset="0"/>
+              </a:rPr>
+              <a:t>this</a:t>
+            </a:r>
+            <a:r>
+              <a:rPr lang="en-US" sz="1200" dirty="0" err="1">
+                <a:solidFill>
+                  <a:srgbClr val="000000"/>
+                </a:solidFill>
+                <a:latin typeface="Courier New" panose="02070309020205020404" pitchFamily="49" charset="0"/>
+                <a:ea typeface="Times New Roman" panose="02020603050405020304" pitchFamily="18" charset="0"/>
+              </a:rPr>
+              <a:t>.</a:t>
+            </a:r>
+            <a:r>
+              <a:rPr lang="en-US" sz="1200" b="1" dirty="0" err="1">
+                <a:solidFill>
+                  <a:srgbClr val="660E7A"/>
+                </a:solidFill>
+                <a:latin typeface="Courier New" panose="02070309020205020404" pitchFamily="49" charset="0"/>
+                <a:ea typeface="Times New Roman" panose="02020603050405020304" pitchFamily="18" charset="0"/>
+              </a:rPr>
+              <a:t>httpClient</a:t>
+            </a:r>
+            <a:r>
+              <a:rPr lang="en-US" sz="1200" dirty="0" err="1">
+                <a:solidFill>
+                  <a:srgbClr val="000000"/>
+                </a:solidFill>
+                <a:latin typeface="Courier New" panose="02070309020205020404" pitchFamily="49" charset="0"/>
+                <a:ea typeface="Times New Roman" panose="02020603050405020304" pitchFamily="18" charset="0"/>
+              </a:rPr>
+              <a:t>.</a:t>
+            </a:r>
+            <a:r>
+              <a:rPr lang="en-US" sz="1200" dirty="0" err="1">
+                <a:solidFill>
+                  <a:srgbClr val="7A7A43"/>
+                </a:solidFill>
+                <a:latin typeface="Courier New" panose="02070309020205020404" pitchFamily="49" charset="0"/>
+                <a:ea typeface="Times New Roman" panose="02020603050405020304" pitchFamily="18" charset="0"/>
+              </a:rPr>
+              <a:t>get</a:t>
+            </a:r>
+            <a:r>
+              <a:rPr lang="en-US" sz="1200" dirty="0">
+                <a:solidFill>
+                  <a:srgbClr val="000000"/>
+                </a:solidFill>
+                <a:latin typeface="Courier New" panose="02070309020205020404" pitchFamily="49" charset="0"/>
+                <a:ea typeface="Times New Roman" panose="02020603050405020304" pitchFamily="18" charset="0"/>
+              </a:rPr>
+              <a:t>&lt;Contact[]&gt;(</a:t>
+            </a:r>
+            <a:r>
+              <a:rPr lang="en-US" sz="1200" b="1" dirty="0">
+                <a:solidFill>
+                  <a:srgbClr val="008000"/>
+                </a:solidFill>
+                <a:latin typeface="Courier New" panose="02070309020205020404" pitchFamily="49" charset="0"/>
+                <a:ea typeface="Times New Roman" panose="02020603050405020304" pitchFamily="18" charset="0"/>
+              </a:rPr>
+              <a:t>"/assets/</a:t>
+            </a:r>
+            <a:r>
+              <a:rPr lang="en-US" sz="1200" b="1" dirty="0" err="1">
+                <a:solidFill>
+                  <a:srgbClr val="008000"/>
+                </a:solidFill>
+                <a:latin typeface="Courier New" panose="02070309020205020404" pitchFamily="49" charset="0"/>
+                <a:ea typeface="Times New Roman" panose="02020603050405020304" pitchFamily="18" charset="0"/>
+              </a:rPr>
+              <a:t>contacts.json</a:t>
+            </a:r>
+            <a:r>
+              <a:rPr lang="en-US" sz="1200" b="1" dirty="0">
+                <a:solidFill>
+                  <a:srgbClr val="008000"/>
+                </a:solidFill>
+                <a:latin typeface="Courier New" panose="02070309020205020404" pitchFamily="49" charset="0"/>
+                <a:ea typeface="Times New Roman" panose="02020603050405020304" pitchFamily="18" charset="0"/>
+              </a:rPr>
+              <a:t>"</a:t>
+            </a:r>
+            <a:r>
+              <a:rPr lang="en-US" sz="1200" dirty="0">
+                <a:solidFill>
+                  <a:srgbClr val="000000"/>
+                </a:solidFill>
+                <a:latin typeface="Courier New" panose="02070309020205020404" pitchFamily="49" charset="0"/>
+                <a:ea typeface="Times New Roman" panose="02020603050405020304" pitchFamily="18" charset="0"/>
+              </a:rPr>
+              <a:t>).</a:t>
+            </a:r>
+            <a:r>
+              <a:rPr lang="en-US" sz="1200" dirty="0">
+                <a:solidFill>
+                  <a:srgbClr val="7A7A43"/>
+                </a:solidFill>
+                <a:latin typeface="Courier New" panose="02070309020205020404" pitchFamily="49" charset="0"/>
+                <a:ea typeface="Times New Roman" panose="02020603050405020304" pitchFamily="18" charset="0"/>
+              </a:rPr>
+              <a:t>subscribe</a:t>
+            </a:r>
+            <a:r>
+              <a:rPr lang="en-US" sz="1200" dirty="0">
+                <a:solidFill>
+                  <a:srgbClr val="000000"/>
+                </a:solidFill>
+                <a:latin typeface="Courier New" panose="02070309020205020404" pitchFamily="49" charset="0"/>
+                <a:ea typeface="Times New Roman" panose="02020603050405020304" pitchFamily="18" charset="0"/>
+              </a:rPr>
+              <a:t>(contacts =&gt; {</a:t>
+            </a:r>
+            <a:br>
+              <a:rPr lang="en-US" sz="1200" dirty="0">
+                <a:solidFill>
+                  <a:srgbClr val="000000"/>
+                </a:solidFill>
+                <a:latin typeface="Courier New" panose="02070309020205020404" pitchFamily="49" charset="0"/>
+                <a:ea typeface="Times New Roman" panose="02020603050405020304" pitchFamily="18" charset="0"/>
+              </a:rPr>
+            </a:br>
+            <a:r>
+              <a:rPr lang="en-US" sz="1200" dirty="0">
+                <a:solidFill>
+                  <a:srgbClr val="000000"/>
+                </a:solidFill>
+                <a:latin typeface="Courier New" panose="02070309020205020404" pitchFamily="49" charset="0"/>
+                <a:ea typeface="Times New Roman" panose="02020603050405020304" pitchFamily="18" charset="0"/>
+              </a:rPr>
+              <a:t>      </a:t>
+            </a:r>
+            <a:r>
+              <a:rPr lang="en-US" sz="1200" b="1" dirty="0" err="1">
+                <a:solidFill>
+                  <a:srgbClr val="000080"/>
+                </a:solidFill>
+                <a:latin typeface="Courier New" panose="02070309020205020404" pitchFamily="49" charset="0"/>
+                <a:ea typeface="Times New Roman" panose="02020603050405020304" pitchFamily="18" charset="0"/>
+              </a:rPr>
+              <a:t>this</a:t>
+            </a:r>
+            <a:r>
+              <a:rPr lang="en-US" sz="1200" dirty="0" err="1">
+                <a:solidFill>
+                  <a:srgbClr val="000000"/>
+                </a:solidFill>
+                <a:latin typeface="Courier New" panose="02070309020205020404" pitchFamily="49" charset="0"/>
+                <a:ea typeface="Times New Roman" panose="02020603050405020304" pitchFamily="18" charset="0"/>
+              </a:rPr>
+              <a:t>.</a:t>
+            </a:r>
+            <a:r>
+              <a:rPr lang="en-US" sz="1200" b="1" dirty="0" err="1">
+                <a:solidFill>
+                  <a:srgbClr val="660E7A"/>
+                </a:solidFill>
+                <a:latin typeface="Courier New" panose="02070309020205020404" pitchFamily="49" charset="0"/>
+                <a:ea typeface="Times New Roman" panose="02020603050405020304" pitchFamily="18" charset="0"/>
+              </a:rPr>
+              <a:t>contacts</a:t>
+            </a:r>
+            <a:r>
+              <a:rPr lang="en-US" sz="1200" b="1" dirty="0">
+                <a:solidFill>
+                  <a:srgbClr val="660E7A"/>
+                </a:solidFill>
+                <a:latin typeface="Courier New" panose="02070309020205020404" pitchFamily="49" charset="0"/>
+                <a:ea typeface="Times New Roman" panose="02020603050405020304" pitchFamily="18" charset="0"/>
+              </a:rPr>
               <a:t> </a:t>
             </a:r>
             <a:r>
-              <a:rPr lang="en-US" dirty="0">
-                <a:sym typeface="Wingdings" panose="05000000000000000000" pitchFamily="2" charset="2"/>
-              </a:rPr>
-              <a:t> </a:t>
-            </a:r>
-            <a:r>
-              <a:rPr lang="en-US" dirty="0" err="1">
-                <a:solidFill>
-                  <a:srgbClr val="FF0000"/>
-                </a:solidFill>
-                <a:sym typeface="Wingdings" panose="05000000000000000000" pitchFamily="2" charset="2"/>
-              </a:rPr>
-              <a:t>scss</a:t>
-            </a:r>
-            <a:endParaRPr lang="en-US" dirty="0">
-              <a:solidFill>
-                <a:srgbClr val="FF0000"/>
-              </a:solidFill>
-              <a:sym typeface="Wingdings" panose="05000000000000000000" pitchFamily="2" charset="2"/>
-            </a:endParaRPr>
-          </a:p>
-          <a:p>
-            <a:r>
-              <a:rPr lang="en-US" dirty="0">
-                <a:sym typeface="Wingdings" panose="05000000000000000000" pitchFamily="2" charset="2"/>
-              </a:rPr>
-              <a:t>You should also rename </a:t>
-            </a:r>
-            <a:r>
-              <a:rPr lang="en-US" dirty="0">
-                <a:solidFill>
-                  <a:srgbClr val="FF0000"/>
-                </a:solidFill>
-                <a:sym typeface="Wingdings" panose="05000000000000000000" pitchFamily="2" charset="2"/>
-              </a:rPr>
-              <a:t>app/styles.css</a:t>
-            </a:r>
-            <a:endParaRPr lang="he-IL" dirty="0">
-              <a:solidFill>
-                <a:srgbClr val="FF0000"/>
-              </a:solidFill>
-            </a:endParaRPr>
+              <a:rPr lang="en-US" sz="1200" dirty="0">
+                <a:solidFill>
+                  <a:srgbClr val="000000"/>
+                </a:solidFill>
+                <a:latin typeface="Courier New" panose="02070309020205020404" pitchFamily="49" charset="0"/>
+                <a:ea typeface="Times New Roman" panose="02020603050405020304" pitchFamily="18" charset="0"/>
+              </a:rPr>
+              <a:t>= contacts;</a:t>
+            </a:r>
+            <a:br>
+              <a:rPr lang="en-US" sz="1200" dirty="0">
+                <a:solidFill>
+                  <a:srgbClr val="000000"/>
+                </a:solidFill>
+                <a:latin typeface="Courier New" panose="02070309020205020404" pitchFamily="49" charset="0"/>
+                <a:ea typeface="Times New Roman" panose="02020603050405020304" pitchFamily="18" charset="0"/>
+              </a:rPr>
+            </a:br>
+            <a:r>
+              <a:rPr lang="en-US" sz="1200" dirty="0">
+                <a:solidFill>
+                  <a:srgbClr val="000000"/>
+                </a:solidFill>
+                <a:latin typeface="Courier New" panose="02070309020205020404" pitchFamily="49" charset="0"/>
+                <a:ea typeface="Times New Roman" panose="02020603050405020304" pitchFamily="18" charset="0"/>
+              </a:rPr>
+              <a:t>    });</a:t>
+            </a:r>
+            <a:br>
+              <a:rPr lang="en-US" sz="1200" dirty="0">
+                <a:solidFill>
+                  <a:srgbClr val="000000"/>
+                </a:solidFill>
+                <a:latin typeface="Courier New" panose="02070309020205020404" pitchFamily="49" charset="0"/>
+                <a:ea typeface="Times New Roman" panose="02020603050405020304" pitchFamily="18" charset="0"/>
+              </a:rPr>
+            </a:br>
+            <a:r>
+              <a:rPr lang="en-US" sz="1200" dirty="0">
+                <a:solidFill>
+                  <a:srgbClr val="000000"/>
+                </a:solidFill>
+                <a:latin typeface="Courier New" panose="02070309020205020404" pitchFamily="49" charset="0"/>
+                <a:ea typeface="Times New Roman" panose="02020603050405020304" pitchFamily="18" charset="0"/>
+              </a:rPr>
+              <a:t>  }</a:t>
+            </a:r>
+            <a:br>
+              <a:rPr lang="en-US" sz="1200" dirty="0">
+                <a:solidFill>
+                  <a:srgbClr val="000000"/>
+                </a:solidFill>
+                <a:latin typeface="Courier New" panose="02070309020205020404" pitchFamily="49" charset="0"/>
+                <a:ea typeface="Times New Roman" panose="02020603050405020304" pitchFamily="18" charset="0"/>
+              </a:rPr>
+            </a:br>
+            <a:r>
+              <a:rPr lang="en-US" sz="1200" dirty="0">
+                <a:solidFill>
+                  <a:srgbClr val="000000"/>
+                </a:solidFill>
+                <a:latin typeface="Courier New" panose="02070309020205020404" pitchFamily="49" charset="0"/>
+                <a:ea typeface="Times New Roman" panose="02020603050405020304" pitchFamily="18" charset="0"/>
+              </a:rPr>
+              <a:t>}</a:t>
+            </a:r>
+            <a:br>
+              <a:rPr lang="en-US" sz="1200" dirty="0">
+                <a:solidFill>
+                  <a:srgbClr val="000000"/>
+                </a:solidFill>
+                <a:latin typeface="Courier New" panose="02070309020205020404" pitchFamily="49" charset="0"/>
+                <a:ea typeface="Times New Roman" panose="02020603050405020304" pitchFamily="18" charset="0"/>
+              </a:rPr>
+            </a:br>
+            <a:br>
+              <a:rPr lang="en-US" sz="1200" dirty="0">
+                <a:solidFill>
+                  <a:srgbClr val="000000"/>
+                </a:solidFill>
+                <a:latin typeface="Courier New" panose="02070309020205020404" pitchFamily="49" charset="0"/>
+                <a:ea typeface="Times New Roman" panose="02020603050405020304" pitchFamily="18" charset="0"/>
+              </a:rPr>
+            </a:br>
+            <a:r>
+              <a:rPr lang="en-US" sz="1200" b="1" dirty="0">
+                <a:solidFill>
+                  <a:srgbClr val="000080"/>
+                </a:solidFill>
+                <a:latin typeface="Courier New" panose="02070309020205020404" pitchFamily="49" charset="0"/>
+                <a:ea typeface="Times New Roman" panose="02020603050405020304" pitchFamily="18" charset="0"/>
+              </a:rPr>
+              <a:t>interface </a:t>
+            </a:r>
+            <a:r>
+              <a:rPr lang="en-US" sz="1200" dirty="0">
+                <a:solidFill>
+                  <a:srgbClr val="000000"/>
+                </a:solidFill>
+                <a:latin typeface="Courier New" panose="02070309020205020404" pitchFamily="49" charset="0"/>
+                <a:ea typeface="Times New Roman" panose="02020603050405020304" pitchFamily="18" charset="0"/>
+              </a:rPr>
+              <a:t>Contact {</a:t>
+            </a:r>
+            <a:br>
+              <a:rPr lang="en-US" sz="1200" dirty="0">
+                <a:solidFill>
+                  <a:srgbClr val="000000"/>
+                </a:solidFill>
+                <a:latin typeface="Courier New" panose="02070309020205020404" pitchFamily="49" charset="0"/>
+                <a:ea typeface="Times New Roman" panose="02020603050405020304" pitchFamily="18" charset="0"/>
+              </a:rPr>
+            </a:br>
+            <a:r>
+              <a:rPr lang="en-US" sz="1200" dirty="0">
+                <a:solidFill>
+                  <a:srgbClr val="000000"/>
+                </a:solidFill>
+                <a:latin typeface="Courier New" panose="02070309020205020404" pitchFamily="49" charset="0"/>
+                <a:ea typeface="Times New Roman" panose="02020603050405020304" pitchFamily="18" charset="0"/>
+              </a:rPr>
+              <a:t>  </a:t>
+            </a:r>
+            <a:r>
+              <a:rPr lang="en-US" sz="1200" b="1" dirty="0">
+                <a:solidFill>
+                  <a:srgbClr val="660E7A"/>
+                </a:solidFill>
+                <a:latin typeface="Courier New" panose="02070309020205020404" pitchFamily="49" charset="0"/>
+                <a:ea typeface="Times New Roman" panose="02020603050405020304" pitchFamily="18" charset="0"/>
+              </a:rPr>
+              <a:t>id</a:t>
+            </a:r>
+            <a:r>
+              <a:rPr lang="en-US" sz="1200" dirty="0">
+                <a:solidFill>
+                  <a:srgbClr val="000000"/>
+                </a:solidFill>
+                <a:latin typeface="Courier New" panose="02070309020205020404" pitchFamily="49" charset="0"/>
+                <a:ea typeface="Times New Roman" panose="02020603050405020304" pitchFamily="18" charset="0"/>
+              </a:rPr>
+              <a:t>: </a:t>
+            </a:r>
+            <a:r>
+              <a:rPr lang="en-US" sz="1200" b="1" dirty="0">
+                <a:solidFill>
+                  <a:srgbClr val="000080"/>
+                </a:solidFill>
+                <a:latin typeface="Courier New" panose="02070309020205020404" pitchFamily="49" charset="0"/>
+                <a:ea typeface="Times New Roman" panose="02020603050405020304" pitchFamily="18" charset="0"/>
+              </a:rPr>
+              <a:t>number</a:t>
+            </a:r>
+            <a:r>
+              <a:rPr lang="en-US" sz="1200" dirty="0">
+                <a:solidFill>
+                  <a:srgbClr val="000000"/>
+                </a:solidFill>
+                <a:latin typeface="Courier New" panose="02070309020205020404" pitchFamily="49" charset="0"/>
+                <a:ea typeface="Times New Roman" panose="02020603050405020304" pitchFamily="18" charset="0"/>
+              </a:rPr>
+              <a:t>;</a:t>
+            </a:r>
+            <a:br>
+              <a:rPr lang="en-US" sz="1200" dirty="0">
+                <a:solidFill>
+                  <a:srgbClr val="000000"/>
+                </a:solidFill>
+                <a:latin typeface="Courier New" panose="02070309020205020404" pitchFamily="49" charset="0"/>
+                <a:ea typeface="Times New Roman" panose="02020603050405020304" pitchFamily="18" charset="0"/>
+              </a:rPr>
+            </a:br>
+            <a:r>
+              <a:rPr lang="en-US" sz="1200" dirty="0">
+                <a:solidFill>
+                  <a:srgbClr val="000000"/>
+                </a:solidFill>
+                <a:latin typeface="Courier New" panose="02070309020205020404" pitchFamily="49" charset="0"/>
+                <a:ea typeface="Times New Roman" panose="02020603050405020304" pitchFamily="18" charset="0"/>
+              </a:rPr>
+              <a:t>  </a:t>
+            </a:r>
+            <a:r>
+              <a:rPr lang="en-US" sz="1200" b="1" dirty="0">
+                <a:solidFill>
+                  <a:srgbClr val="660E7A"/>
+                </a:solidFill>
+                <a:latin typeface="Courier New" panose="02070309020205020404" pitchFamily="49" charset="0"/>
+                <a:ea typeface="Times New Roman" panose="02020603050405020304" pitchFamily="18" charset="0"/>
+              </a:rPr>
+              <a:t>name</a:t>
+            </a:r>
+            <a:r>
+              <a:rPr lang="en-US" sz="1200" dirty="0">
+                <a:solidFill>
+                  <a:srgbClr val="000000"/>
+                </a:solidFill>
+                <a:latin typeface="Courier New" panose="02070309020205020404" pitchFamily="49" charset="0"/>
+                <a:ea typeface="Times New Roman" panose="02020603050405020304" pitchFamily="18" charset="0"/>
+              </a:rPr>
+              <a:t>: </a:t>
+            </a:r>
+            <a:r>
+              <a:rPr lang="en-US" sz="1200" b="1" dirty="0">
+                <a:solidFill>
+                  <a:srgbClr val="000080"/>
+                </a:solidFill>
+                <a:latin typeface="Courier New" panose="02070309020205020404" pitchFamily="49" charset="0"/>
+                <a:ea typeface="Times New Roman" panose="02020603050405020304" pitchFamily="18" charset="0"/>
+              </a:rPr>
+              <a:t>string</a:t>
+            </a:r>
+            <a:r>
+              <a:rPr lang="en-US" sz="1200" dirty="0">
+                <a:solidFill>
+                  <a:srgbClr val="000000"/>
+                </a:solidFill>
+                <a:latin typeface="Courier New" panose="02070309020205020404" pitchFamily="49" charset="0"/>
+                <a:ea typeface="Times New Roman" panose="02020603050405020304" pitchFamily="18" charset="0"/>
+              </a:rPr>
+              <a:t>;</a:t>
+            </a:r>
+            <a:br>
+              <a:rPr lang="en-US" sz="1200" dirty="0">
+                <a:solidFill>
+                  <a:srgbClr val="000000"/>
+                </a:solidFill>
+                <a:latin typeface="Courier New" panose="02070309020205020404" pitchFamily="49" charset="0"/>
+                <a:ea typeface="Times New Roman" panose="02020603050405020304" pitchFamily="18" charset="0"/>
+              </a:rPr>
+            </a:br>
+            <a:r>
+              <a:rPr lang="en-US" sz="1200" dirty="0">
+                <a:solidFill>
+                  <a:srgbClr val="000000"/>
+                </a:solidFill>
+                <a:latin typeface="Courier New" panose="02070309020205020404" pitchFamily="49" charset="0"/>
+                <a:ea typeface="Times New Roman" panose="02020603050405020304" pitchFamily="18" charset="0"/>
+              </a:rPr>
+              <a:t>}</a:t>
+            </a:r>
+            <a:endParaRPr lang="he-IL" sz="1200" dirty="0"/>
           </a:p>
         </p:txBody>
       </p:sp>
     </p:spTree>
     <p:extLst>
       <p:ext uri="{BB962C8B-B14F-4D97-AF65-F5344CB8AC3E}">
-        <p14:creationId xmlns:p14="http://schemas.microsoft.com/office/powerpoint/2010/main" val="109823293"/>
+        <p14:creationId xmlns:p14="http://schemas.microsoft.com/office/powerpoint/2010/main" val="215278559"/>
       </p:ext>
     </p:extLst>
   </p:cSld>
@@ -14342,7 +15011,7 @@
           <p:cNvPr id="2" name="Title 1">
             <a:extLst>
               <a:ext uri="{FF2B5EF4-FFF2-40B4-BE49-F238E27FC236}">
-                <a16:creationId xmlns:a16="http://schemas.microsoft.com/office/drawing/2014/main" id="{E85AF416-D864-420A-BC65-6E0F1827F471}"/>
+                <a16:creationId xmlns:a16="http://schemas.microsoft.com/office/drawing/2014/main" id="{4305BBE6-A8BC-419F-BD54-A6D48641D4AA}"/>
               </a:ext>
             </a:extLst>
           </p:cNvPr>
@@ -14359,12 +15028,8 @@
           <a:lstStyle/>
           <a:p>
             <a:r>
-              <a:rPr lang="en-US" dirty="0" err="1"/>
-              <a:t>src</a:t>
-            </a:r>
-            <a:r>
               <a:rPr lang="en-US" dirty="0"/>
-              <a:t>/style.css</a:t>
+              <a:t>Request as asset</a:t>
             </a:r>
             <a:endParaRPr lang="he-IL" dirty="0"/>
           </a:p>
@@ -14375,7 +15040,7 @@
           <p:cNvPr id="3" name="Footer Placeholder 2">
             <a:extLst>
               <a:ext uri="{FF2B5EF4-FFF2-40B4-BE49-F238E27FC236}">
-                <a16:creationId xmlns:a16="http://schemas.microsoft.com/office/drawing/2014/main" id="{0B271DDD-E034-4DD7-BD2E-4CF68C1FD07C}"/>
+                <a16:creationId xmlns:a16="http://schemas.microsoft.com/office/drawing/2014/main" id="{D4643D80-3FD1-4841-B690-987F3B160003}"/>
               </a:ext>
             </a:extLst>
           </p:cNvPr>
@@ -14404,7 +15069,7 @@
           <p:cNvPr id="4" name="Slide Number Placeholder 3">
             <a:extLst>
               <a:ext uri="{FF2B5EF4-FFF2-40B4-BE49-F238E27FC236}">
-                <a16:creationId xmlns:a16="http://schemas.microsoft.com/office/drawing/2014/main" id="{76278A62-0FFB-4CF2-876F-AAFFC1039CE0}"/>
+                <a16:creationId xmlns:a16="http://schemas.microsoft.com/office/drawing/2014/main" id="{18027B23-C464-406E-9F6A-5374652BF9DF}"/>
               </a:ext>
             </a:extLst>
           </p:cNvPr>
@@ -14436,7 +15101,7 @@
           <p:cNvPr id="5" name="Content Placeholder 4">
             <a:extLst>
               <a:ext uri="{FF2B5EF4-FFF2-40B4-BE49-F238E27FC236}">
-                <a16:creationId xmlns:a16="http://schemas.microsoft.com/office/drawing/2014/main" id="{1B9EF0D1-0653-4CC4-A724-8F7433715BD9}"/>
+                <a16:creationId xmlns:a16="http://schemas.microsoft.com/office/drawing/2014/main" id="{7F278016-F74D-4C8B-A3D0-E0A1DB92C8C9}"/>
               </a:ext>
             </a:extLst>
           </p:cNvPr>
@@ -14454,35 +15119,776 @@
           <a:p>
             <a:r>
               <a:rPr lang="en-US" dirty="0"/>
-              <a:t>A global CSS that is injected into index.html</a:t>
-            </a:r>
-          </a:p>
-          <a:p>
-            <a:r>
-              <a:rPr lang="en-US" dirty="0"/>
-              <a:t>Use it to </a:t>
-            </a:r>
-          </a:p>
-          <a:p>
-            <a:pPr lvl="1"/>
-            <a:r>
-              <a:rPr lang="en-US" dirty="0"/>
-              <a:t>Define styling prior Angular load</a:t>
-            </a:r>
-          </a:p>
-          <a:p>
-            <a:pPr lvl="1"/>
-            <a:r>
-              <a:rPr lang="en-US" dirty="0"/>
-              <a:t>Global application theme</a:t>
-            </a:r>
+              <a:t>Can use async/await syntax</a:t>
+            </a:r>
+            <a:endParaRPr lang="he-IL" dirty="0"/>
+          </a:p>
+        </p:txBody>
+      </p:sp>
+      <p:sp>
+        <p:nvSpPr>
+          <p:cNvPr id="6" name="Rectangle 5">
+            <a:extLst>
+              <a:ext uri="{FF2B5EF4-FFF2-40B4-BE49-F238E27FC236}">
+                <a16:creationId xmlns:a16="http://schemas.microsoft.com/office/drawing/2014/main" id="{9AB9D3B7-EE6E-450E-B1B0-684817AF4A40}"/>
+              </a:ext>
+            </a:extLst>
+          </p:cNvPr>
+          <p:cNvSpPr/>
+          <p:nvPr/>
+        </p:nvSpPr>
+        <p:spPr>
+          <a:xfrm>
+            <a:off x="1556792" y="2564904"/>
+            <a:ext cx="6030416" cy="2862322"/>
+          </a:xfrm>
+          <a:prstGeom prst="rect">
+            <a:avLst/>
+          </a:prstGeom>
+          <a:solidFill>
+            <a:schemeClr val="accent1">
+              <a:lumMod val="40000"/>
+              <a:lumOff val="60000"/>
+            </a:schemeClr>
+          </a:solidFill>
+        </p:spPr>
+        <p:txBody>
+          <a:bodyPr wrap="square">
+            <a:spAutoFit/>
+          </a:bodyPr>
+          <a:lstStyle/>
+          <a:p>
+            <a:r>
+              <a:rPr lang="en-US" sz="1200" b="1" dirty="0">
+                <a:solidFill>
+                  <a:srgbClr val="000080"/>
+                </a:solidFill>
+                <a:latin typeface="Calibri" panose="020F0502020204030204" pitchFamily="34" charset="0"/>
+                <a:ea typeface="Calibri" panose="020F0502020204030204" pitchFamily="34" charset="0"/>
+                <a:cs typeface="Arial" panose="020B0604020202020204" pitchFamily="34" charset="0"/>
+              </a:rPr>
+              <a:t>export class </a:t>
+            </a:r>
+            <a:r>
+              <a:rPr lang="en-US" sz="1200" dirty="0" err="1">
+                <a:solidFill>
+                  <a:srgbClr val="000000"/>
+                </a:solidFill>
+                <a:latin typeface="Calibri" panose="020F0502020204030204" pitchFamily="34" charset="0"/>
+                <a:ea typeface="Calibri" panose="020F0502020204030204" pitchFamily="34" charset="0"/>
+                <a:cs typeface="Arial" panose="020B0604020202020204" pitchFamily="34" charset="0"/>
+              </a:rPr>
+              <a:t>AppComponent</a:t>
+            </a:r>
+            <a:r>
+              <a:rPr lang="en-US" sz="1200" dirty="0">
+                <a:solidFill>
+                  <a:srgbClr val="000000"/>
+                </a:solidFill>
+                <a:latin typeface="Calibri" panose="020F0502020204030204" pitchFamily="34" charset="0"/>
+                <a:ea typeface="Calibri" panose="020F0502020204030204" pitchFamily="34" charset="0"/>
+                <a:cs typeface="Arial" panose="020B0604020202020204" pitchFamily="34" charset="0"/>
+              </a:rPr>
+              <a:t> {</a:t>
+            </a:r>
+            <a:br>
+              <a:rPr lang="en-US" sz="1200" dirty="0">
+                <a:solidFill>
+                  <a:srgbClr val="000000"/>
+                </a:solidFill>
+                <a:latin typeface="Calibri" panose="020F0502020204030204" pitchFamily="34" charset="0"/>
+                <a:ea typeface="Calibri" panose="020F0502020204030204" pitchFamily="34" charset="0"/>
+                <a:cs typeface="Arial" panose="020B0604020202020204" pitchFamily="34" charset="0"/>
+              </a:rPr>
+            </a:br>
+            <a:r>
+              <a:rPr lang="en-US" sz="1200" dirty="0">
+                <a:solidFill>
+                  <a:srgbClr val="000000"/>
+                </a:solidFill>
+                <a:latin typeface="Calibri" panose="020F0502020204030204" pitchFamily="34" charset="0"/>
+                <a:ea typeface="Calibri" panose="020F0502020204030204" pitchFamily="34" charset="0"/>
+                <a:cs typeface="Arial" panose="020B0604020202020204" pitchFamily="34" charset="0"/>
+              </a:rPr>
+              <a:t>  </a:t>
+            </a:r>
+            <a:r>
+              <a:rPr lang="en-US" sz="1200" b="1" dirty="0">
+                <a:solidFill>
+                  <a:srgbClr val="660E7A"/>
+                </a:solidFill>
+                <a:latin typeface="Calibri" panose="020F0502020204030204" pitchFamily="34" charset="0"/>
+                <a:ea typeface="Calibri" panose="020F0502020204030204" pitchFamily="34" charset="0"/>
+                <a:cs typeface="Arial" panose="020B0604020202020204" pitchFamily="34" charset="0"/>
+              </a:rPr>
+              <a:t>contacts</a:t>
+            </a:r>
+            <a:r>
+              <a:rPr lang="en-US" sz="1200" dirty="0">
+                <a:solidFill>
+                  <a:srgbClr val="000000"/>
+                </a:solidFill>
+                <a:latin typeface="Calibri" panose="020F0502020204030204" pitchFamily="34" charset="0"/>
+                <a:ea typeface="Calibri" panose="020F0502020204030204" pitchFamily="34" charset="0"/>
+                <a:cs typeface="Arial" panose="020B0604020202020204" pitchFamily="34" charset="0"/>
+              </a:rPr>
+              <a:t>: Contact[];</a:t>
+            </a:r>
+            <a:br>
+              <a:rPr lang="en-US" sz="1200" dirty="0">
+                <a:solidFill>
+                  <a:srgbClr val="000000"/>
+                </a:solidFill>
+                <a:latin typeface="Calibri" panose="020F0502020204030204" pitchFamily="34" charset="0"/>
+                <a:ea typeface="Calibri" panose="020F0502020204030204" pitchFamily="34" charset="0"/>
+                <a:cs typeface="Arial" panose="020B0604020202020204" pitchFamily="34" charset="0"/>
+              </a:rPr>
+            </a:br>
+            <a:br>
+              <a:rPr lang="en-US" sz="1200" dirty="0">
+                <a:solidFill>
+                  <a:srgbClr val="000000"/>
+                </a:solidFill>
+                <a:latin typeface="Calibri" panose="020F0502020204030204" pitchFamily="34" charset="0"/>
+                <a:ea typeface="Calibri" panose="020F0502020204030204" pitchFamily="34" charset="0"/>
+                <a:cs typeface="Arial" panose="020B0604020202020204" pitchFamily="34" charset="0"/>
+              </a:rPr>
+            </a:br>
+            <a:r>
+              <a:rPr lang="en-US" sz="1200" dirty="0">
+                <a:solidFill>
+                  <a:srgbClr val="000000"/>
+                </a:solidFill>
+                <a:latin typeface="Calibri" panose="020F0502020204030204" pitchFamily="34" charset="0"/>
+                <a:ea typeface="Calibri" panose="020F0502020204030204" pitchFamily="34" charset="0"/>
+                <a:cs typeface="Arial" panose="020B0604020202020204" pitchFamily="34" charset="0"/>
+              </a:rPr>
+              <a:t>  </a:t>
+            </a:r>
+            <a:r>
+              <a:rPr lang="en-US" sz="1200" b="1" dirty="0">
+                <a:solidFill>
+                  <a:srgbClr val="000080"/>
+                </a:solidFill>
+                <a:latin typeface="Calibri" panose="020F0502020204030204" pitchFamily="34" charset="0"/>
+                <a:ea typeface="Calibri" panose="020F0502020204030204" pitchFamily="34" charset="0"/>
+                <a:cs typeface="Arial" panose="020B0604020202020204" pitchFamily="34" charset="0"/>
+              </a:rPr>
+              <a:t>constructor</a:t>
+            </a:r>
+            <a:r>
+              <a:rPr lang="en-US" sz="1200" dirty="0">
+                <a:solidFill>
+                  <a:srgbClr val="000000"/>
+                </a:solidFill>
+                <a:latin typeface="Calibri" panose="020F0502020204030204" pitchFamily="34" charset="0"/>
+                <a:ea typeface="Calibri" panose="020F0502020204030204" pitchFamily="34" charset="0"/>
+                <a:cs typeface="Arial" panose="020B0604020202020204" pitchFamily="34" charset="0"/>
+              </a:rPr>
+              <a:t>(</a:t>
+            </a:r>
+            <a:r>
+              <a:rPr lang="en-US" sz="1200" b="1" dirty="0">
+                <a:solidFill>
+                  <a:srgbClr val="000080"/>
+                </a:solidFill>
+                <a:latin typeface="Calibri" panose="020F0502020204030204" pitchFamily="34" charset="0"/>
+                <a:ea typeface="Calibri" panose="020F0502020204030204" pitchFamily="34" charset="0"/>
+                <a:cs typeface="Arial" panose="020B0604020202020204" pitchFamily="34" charset="0"/>
+              </a:rPr>
+              <a:t>private </a:t>
+            </a:r>
+            <a:r>
+              <a:rPr lang="en-US" sz="1200" b="1" dirty="0" err="1">
+                <a:solidFill>
+                  <a:srgbClr val="660E7A"/>
+                </a:solidFill>
+                <a:latin typeface="Calibri" panose="020F0502020204030204" pitchFamily="34" charset="0"/>
+                <a:ea typeface="Calibri" panose="020F0502020204030204" pitchFamily="34" charset="0"/>
+                <a:cs typeface="Arial" panose="020B0604020202020204" pitchFamily="34" charset="0"/>
+              </a:rPr>
+              <a:t>httpClient</a:t>
+            </a:r>
+            <a:r>
+              <a:rPr lang="en-US" sz="1200" dirty="0">
+                <a:solidFill>
+                  <a:srgbClr val="000000"/>
+                </a:solidFill>
+                <a:latin typeface="Calibri" panose="020F0502020204030204" pitchFamily="34" charset="0"/>
+                <a:ea typeface="Calibri" panose="020F0502020204030204" pitchFamily="34" charset="0"/>
+                <a:cs typeface="Arial" panose="020B0604020202020204" pitchFamily="34" charset="0"/>
+              </a:rPr>
+              <a:t>: </a:t>
+            </a:r>
+            <a:r>
+              <a:rPr lang="en-US" sz="1200" dirty="0" err="1">
+                <a:solidFill>
+                  <a:srgbClr val="000000"/>
+                </a:solidFill>
+                <a:latin typeface="Calibri" panose="020F0502020204030204" pitchFamily="34" charset="0"/>
+                <a:ea typeface="Calibri" panose="020F0502020204030204" pitchFamily="34" charset="0"/>
+                <a:cs typeface="Arial" panose="020B0604020202020204" pitchFamily="34" charset="0"/>
+              </a:rPr>
+              <a:t>HttpClient</a:t>
+            </a:r>
+            <a:r>
+              <a:rPr lang="en-US" sz="1200" dirty="0">
+                <a:solidFill>
+                  <a:srgbClr val="000000"/>
+                </a:solidFill>
+                <a:latin typeface="Calibri" panose="020F0502020204030204" pitchFamily="34" charset="0"/>
+                <a:ea typeface="Calibri" panose="020F0502020204030204" pitchFamily="34" charset="0"/>
+                <a:cs typeface="Arial" panose="020B0604020202020204" pitchFamily="34" charset="0"/>
+              </a:rPr>
+              <a:t>) {</a:t>
+            </a:r>
+            <a:br>
+              <a:rPr lang="en-US" sz="1200" dirty="0">
+                <a:solidFill>
+                  <a:srgbClr val="000000"/>
+                </a:solidFill>
+                <a:latin typeface="Calibri" panose="020F0502020204030204" pitchFamily="34" charset="0"/>
+                <a:ea typeface="Calibri" panose="020F0502020204030204" pitchFamily="34" charset="0"/>
+                <a:cs typeface="Arial" panose="020B0604020202020204" pitchFamily="34" charset="0"/>
+              </a:rPr>
+            </a:br>
+            <a:r>
+              <a:rPr lang="en-US" sz="1200" dirty="0">
+                <a:solidFill>
+                  <a:srgbClr val="000000"/>
+                </a:solidFill>
+                <a:latin typeface="Calibri" panose="020F0502020204030204" pitchFamily="34" charset="0"/>
+                <a:ea typeface="Calibri" panose="020F0502020204030204" pitchFamily="34" charset="0"/>
+                <a:cs typeface="Arial" panose="020B0604020202020204" pitchFamily="34" charset="0"/>
+              </a:rPr>
+              <a:t>  }</a:t>
+            </a:r>
+            <a:br>
+              <a:rPr lang="en-US" sz="1200" dirty="0">
+                <a:solidFill>
+                  <a:srgbClr val="000000"/>
+                </a:solidFill>
+                <a:latin typeface="Calibri" panose="020F0502020204030204" pitchFamily="34" charset="0"/>
+                <a:ea typeface="Calibri" panose="020F0502020204030204" pitchFamily="34" charset="0"/>
+                <a:cs typeface="Arial" panose="020B0604020202020204" pitchFamily="34" charset="0"/>
+              </a:rPr>
+            </a:br>
+            <a:br>
+              <a:rPr lang="en-US" sz="1200" dirty="0">
+                <a:solidFill>
+                  <a:srgbClr val="000000"/>
+                </a:solidFill>
+                <a:latin typeface="Calibri" panose="020F0502020204030204" pitchFamily="34" charset="0"/>
+                <a:ea typeface="Calibri" panose="020F0502020204030204" pitchFamily="34" charset="0"/>
+                <a:cs typeface="Arial" panose="020B0604020202020204" pitchFamily="34" charset="0"/>
+              </a:rPr>
+            </a:br>
+            <a:r>
+              <a:rPr lang="en-US" sz="1200" dirty="0">
+                <a:solidFill>
+                  <a:srgbClr val="000000"/>
+                </a:solidFill>
+                <a:latin typeface="Calibri" panose="020F0502020204030204" pitchFamily="34" charset="0"/>
+                <a:ea typeface="Calibri" panose="020F0502020204030204" pitchFamily="34" charset="0"/>
+                <a:cs typeface="Arial" panose="020B0604020202020204" pitchFamily="34" charset="0"/>
+              </a:rPr>
+              <a:t>  </a:t>
+            </a:r>
+            <a:r>
+              <a:rPr lang="en-US" sz="1200" b="1" dirty="0">
+                <a:solidFill>
+                  <a:srgbClr val="000080"/>
+                </a:solidFill>
+                <a:latin typeface="Calibri" panose="020F0502020204030204" pitchFamily="34" charset="0"/>
+                <a:ea typeface="Calibri" panose="020F0502020204030204" pitchFamily="34" charset="0"/>
+                <a:cs typeface="Arial" panose="020B0604020202020204" pitchFamily="34" charset="0"/>
+              </a:rPr>
+              <a:t>async </a:t>
+            </a:r>
+            <a:r>
+              <a:rPr lang="en-US" sz="1200" dirty="0" err="1">
+                <a:solidFill>
+                  <a:srgbClr val="7A7A43"/>
+                </a:solidFill>
+                <a:latin typeface="Calibri" panose="020F0502020204030204" pitchFamily="34" charset="0"/>
+                <a:ea typeface="Calibri" panose="020F0502020204030204" pitchFamily="34" charset="0"/>
+                <a:cs typeface="Arial" panose="020B0604020202020204" pitchFamily="34" charset="0"/>
+              </a:rPr>
+              <a:t>ngOnInit</a:t>
+            </a:r>
+            <a:r>
+              <a:rPr lang="en-US" sz="1200" dirty="0">
+                <a:solidFill>
+                  <a:srgbClr val="000000"/>
+                </a:solidFill>
+                <a:latin typeface="Calibri" panose="020F0502020204030204" pitchFamily="34" charset="0"/>
+                <a:ea typeface="Calibri" panose="020F0502020204030204" pitchFamily="34" charset="0"/>
+                <a:cs typeface="Arial" panose="020B0604020202020204" pitchFamily="34" charset="0"/>
+              </a:rPr>
+              <a:t>() {</a:t>
+            </a:r>
+            <a:br>
+              <a:rPr lang="en-US" sz="1200" dirty="0">
+                <a:solidFill>
+                  <a:srgbClr val="000000"/>
+                </a:solidFill>
+                <a:latin typeface="Calibri" panose="020F0502020204030204" pitchFamily="34" charset="0"/>
+                <a:ea typeface="Calibri" panose="020F0502020204030204" pitchFamily="34" charset="0"/>
+                <a:cs typeface="Arial" panose="020B0604020202020204" pitchFamily="34" charset="0"/>
+              </a:rPr>
+            </a:br>
+            <a:r>
+              <a:rPr lang="en-US" sz="1200" dirty="0">
+                <a:solidFill>
+                  <a:srgbClr val="000000"/>
+                </a:solidFill>
+                <a:latin typeface="Calibri" panose="020F0502020204030204" pitchFamily="34" charset="0"/>
+                <a:ea typeface="Calibri" panose="020F0502020204030204" pitchFamily="34" charset="0"/>
+                <a:cs typeface="Arial" panose="020B0604020202020204" pitchFamily="34" charset="0"/>
+              </a:rPr>
+              <a:t>    </a:t>
+            </a:r>
+            <a:r>
+              <a:rPr lang="en-US" sz="1200" b="1" dirty="0" err="1">
+                <a:solidFill>
+                  <a:srgbClr val="000080"/>
+                </a:solidFill>
+                <a:latin typeface="Calibri" panose="020F0502020204030204" pitchFamily="34" charset="0"/>
+                <a:ea typeface="Calibri" panose="020F0502020204030204" pitchFamily="34" charset="0"/>
+                <a:cs typeface="Arial" panose="020B0604020202020204" pitchFamily="34" charset="0"/>
+              </a:rPr>
+              <a:t>this</a:t>
+            </a:r>
+            <a:r>
+              <a:rPr lang="en-US" sz="1200" dirty="0" err="1">
+                <a:solidFill>
+                  <a:srgbClr val="000000"/>
+                </a:solidFill>
+                <a:latin typeface="Calibri" panose="020F0502020204030204" pitchFamily="34" charset="0"/>
+                <a:ea typeface="Calibri" panose="020F0502020204030204" pitchFamily="34" charset="0"/>
+                <a:cs typeface="Arial" panose="020B0604020202020204" pitchFamily="34" charset="0"/>
+              </a:rPr>
+              <a:t>.</a:t>
+            </a:r>
+            <a:r>
+              <a:rPr lang="en-US" sz="1200" b="1" dirty="0" err="1">
+                <a:solidFill>
+                  <a:srgbClr val="660E7A"/>
+                </a:solidFill>
+                <a:latin typeface="Calibri" panose="020F0502020204030204" pitchFamily="34" charset="0"/>
+                <a:ea typeface="Calibri" panose="020F0502020204030204" pitchFamily="34" charset="0"/>
+                <a:cs typeface="Arial" panose="020B0604020202020204" pitchFamily="34" charset="0"/>
+              </a:rPr>
+              <a:t>contacts</a:t>
+            </a:r>
+            <a:r>
+              <a:rPr lang="en-US" sz="1200" b="1" dirty="0">
+                <a:solidFill>
+                  <a:srgbClr val="660E7A"/>
+                </a:solidFill>
+                <a:latin typeface="Calibri" panose="020F0502020204030204" pitchFamily="34" charset="0"/>
+                <a:ea typeface="Calibri" panose="020F0502020204030204" pitchFamily="34" charset="0"/>
+                <a:cs typeface="Arial" panose="020B0604020202020204" pitchFamily="34" charset="0"/>
+              </a:rPr>
+              <a:t> </a:t>
+            </a:r>
+            <a:r>
+              <a:rPr lang="en-US" sz="1200" dirty="0">
+                <a:solidFill>
+                  <a:srgbClr val="000000"/>
+                </a:solidFill>
+                <a:latin typeface="Calibri" panose="020F0502020204030204" pitchFamily="34" charset="0"/>
+                <a:ea typeface="Calibri" panose="020F0502020204030204" pitchFamily="34" charset="0"/>
+                <a:cs typeface="Arial" panose="020B0604020202020204" pitchFamily="34" charset="0"/>
+              </a:rPr>
+              <a:t>= </a:t>
+            </a:r>
+            <a:r>
+              <a:rPr lang="en-US" sz="1200" b="1" dirty="0">
+                <a:solidFill>
+                  <a:srgbClr val="000080"/>
+                </a:solidFill>
+                <a:latin typeface="Calibri" panose="020F0502020204030204" pitchFamily="34" charset="0"/>
+                <a:ea typeface="Calibri" panose="020F0502020204030204" pitchFamily="34" charset="0"/>
+                <a:cs typeface="Arial" panose="020B0604020202020204" pitchFamily="34" charset="0"/>
+              </a:rPr>
+              <a:t>await </a:t>
+            </a:r>
+            <a:r>
+              <a:rPr lang="en-US" sz="1200" b="1" dirty="0" err="1">
+                <a:solidFill>
+                  <a:srgbClr val="000080"/>
+                </a:solidFill>
+                <a:latin typeface="Calibri" panose="020F0502020204030204" pitchFamily="34" charset="0"/>
+                <a:ea typeface="Calibri" panose="020F0502020204030204" pitchFamily="34" charset="0"/>
+                <a:cs typeface="Arial" panose="020B0604020202020204" pitchFamily="34" charset="0"/>
+              </a:rPr>
+              <a:t>this</a:t>
+            </a:r>
+            <a:r>
+              <a:rPr lang="en-US" sz="1200" dirty="0" err="1">
+                <a:solidFill>
+                  <a:srgbClr val="000000"/>
+                </a:solidFill>
+                <a:latin typeface="Calibri" panose="020F0502020204030204" pitchFamily="34" charset="0"/>
+                <a:ea typeface="Calibri" panose="020F0502020204030204" pitchFamily="34" charset="0"/>
+                <a:cs typeface="Arial" panose="020B0604020202020204" pitchFamily="34" charset="0"/>
+              </a:rPr>
+              <a:t>.</a:t>
+            </a:r>
+            <a:r>
+              <a:rPr lang="en-US" sz="1200" b="1" dirty="0" err="1">
+                <a:solidFill>
+                  <a:srgbClr val="660E7A"/>
+                </a:solidFill>
+                <a:latin typeface="Calibri" panose="020F0502020204030204" pitchFamily="34" charset="0"/>
+                <a:ea typeface="Calibri" panose="020F0502020204030204" pitchFamily="34" charset="0"/>
+                <a:cs typeface="Arial" panose="020B0604020202020204" pitchFamily="34" charset="0"/>
+              </a:rPr>
+              <a:t>httpClient</a:t>
+            </a:r>
+            <a:r>
+              <a:rPr lang="en-US" sz="1200" dirty="0" err="1">
+                <a:solidFill>
+                  <a:srgbClr val="000000"/>
+                </a:solidFill>
+                <a:latin typeface="Calibri" panose="020F0502020204030204" pitchFamily="34" charset="0"/>
+                <a:ea typeface="Calibri" panose="020F0502020204030204" pitchFamily="34" charset="0"/>
+                <a:cs typeface="Arial" panose="020B0604020202020204" pitchFamily="34" charset="0"/>
+              </a:rPr>
+              <a:t>.</a:t>
+            </a:r>
+            <a:r>
+              <a:rPr lang="en-US" sz="1200" dirty="0" err="1">
+                <a:solidFill>
+                  <a:srgbClr val="7A7A43"/>
+                </a:solidFill>
+                <a:latin typeface="Calibri" panose="020F0502020204030204" pitchFamily="34" charset="0"/>
+                <a:ea typeface="Calibri" panose="020F0502020204030204" pitchFamily="34" charset="0"/>
+                <a:cs typeface="Arial" panose="020B0604020202020204" pitchFamily="34" charset="0"/>
+              </a:rPr>
+              <a:t>get</a:t>
+            </a:r>
+            <a:r>
+              <a:rPr lang="en-US" sz="1200" dirty="0">
+                <a:solidFill>
+                  <a:srgbClr val="000000"/>
+                </a:solidFill>
+                <a:latin typeface="Calibri" panose="020F0502020204030204" pitchFamily="34" charset="0"/>
+                <a:ea typeface="Calibri" panose="020F0502020204030204" pitchFamily="34" charset="0"/>
+                <a:cs typeface="Arial" panose="020B0604020202020204" pitchFamily="34" charset="0"/>
+              </a:rPr>
+              <a:t>&lt;Contact[]&gt;(</a:t>
+            </a:r>
+            <a:r>
+              <a:rPr lang="en-US" sz="1200" b="1" dirty="0">
+                <a:solidFill>
+                  <a:srgbClr val="008000"/>
+                </a:solidFill>
+                <a:latin typeface="Calibri" panose="020F0502020204030204" pitchFamily="34" charset="0"/>
+                <a:ea typeface="Calibri" panose="020F0502020204030204" pitchFamily="34" charset="0"/>
+                <a:cs typeface="Arial" panose="020B0604020202020204" pitchFamily="34" charset="0"/>
+              </a:rPr>
+              <a:t>"/assets/</a:t>
+            </a:r>
+            <a:r>
+              <a:rPr lang="en-US" sz="1200" b="1" dirty="0" err="1">
+                <a:solidFill>
+                  <a:srgbClr val="008000"/>
+                </a:solidFill>
+                <a:latin typeface="Calibri" panose="020F0502020204030204" pitchFamily="34" charset="0"/>
+                <a:ea typeface="Calibri" panose="020F0502020204030204" pitchFamily="34" charset="0"/>
+                <a:cs typeface="Arial" panose="020B0604020202020204" pitchFamily="34" charset="0"/>
+              </a:rPr>
+              <a:t>contacts.json</a:t>
+            </a:r>
+            <a:r>
+              <a:rPr lang="en-US" sz="1200" b="1" dirty="0">
+                <a:solidFill>
+                  <a:srgbClr val="008000"/>
+                </a:solidFill>
+                <a:latin typeface="Calibri" panose="020F0502020204030204" pitchFamily="34" charset="0"/>
+                <a:ea typeface="Calibri" panose="020F0502020204030204" pitchFamily="34" charset="0"/>
+                <a:cs typeface="Arial" panose="020B0604020202020204" pitchFamily="34" charset="0"/>
+              </a:rPr>
+              <a:t>"</a:t>
+            </a:r>
+            <a:r>
+              <a:rPr lang="en-US" sz="1200" dirty="0">
+                <a:solidFill>
+                  <a:srgbClr val="000000"/>
+                </a:solidFill>
+                <a:latin typeface="Calibri" panose="020F0502020204030204" pitchFamily="34" charset="0"/>
+                <a:ea typeface="Calibri" panose="020F0502020204030204" pitchFamily="34" charset="0"/>
+                <a:cs typeface="Arial" panose="020B0604020202020204" pitchFamily="34" charset="0"/>
+              </a:rPr>
+              <a:t>).</a:t>
+            </a:r>
+            <a:r>
+              <a:rPr lang="en-US" sz="1200" dirty="0" err="1">
+                <a:solidFill>
+                  <a:srgbClr val="7A7A43"/>
+                </a:solidFill>
+                <a:latin typeface="Calibri" panose="020F0502020204030204" pitchFamily="34" charset="0"/>
+                <a:ea typeface="Calibri" panose="020F0502020204030204" pitchFamily="34" charset="0"/>
+                <a:cs typeface="Arial" panose="020B0604020202020204" pitchFamily="34" charset="0"/>
+              </a:rPr>
+              <a:t>toPromise</a:t>
+            </a:r>
+            <a:r>
+              <a:rPr lang="en-US" sz="1200" dirty="0">
+                <a:solidFill>
+                  <a:srgbClr val="000000"/>
+                </a:solidFill>
+                <a:latin typeface="Calibri" panose="020F0502020204030204" pitchFamily="34" charset="0"/>
+                <a:ea typeface="Calibri" panose="020F0502020204030204" pitchFamily="34" charset="0"/>
+                <a:cs typeface="Arial" panose="020B0604020202020204" pitchFamily="34" charset="0"/>
+              </a:rPr>
+              <a:t>();</a:t>
+            </a:r>
+            <a:br>
+              <a:rPr lang="en-US" sz="1200" dirty="0">
+                <a:solidFill>
+                  <a:srgbClr val="000000"/>
+                </a:solidFill>
+                <a:latin typeface="Calibri" panose="020F0502020204030204" pitchFamily="34" charset="0"/>
+                <a:ea typeface="Calibri" panose="020F0502020204030204" pitchFamily="34" charset="0"/>
+                <a:cs typeface="Arial" panose="020B0604020202020204" pitchFamily="34" charset="0"/>
+              </a:rPr>
+            </a:br>
+            <a:r>
+              <a:rPr lang="en-US" sz="1200" dirty="0">
+                <a:solidFill>
+                  <a:srgbClr val="000000"/>
+                </a:solidFill>
+                <a:latin typeface="Calibri" panose="020F0502020204030204" pitchFamily="34" charset="0"/>
+                <a:ea typeface="Calibri" panose="020F0502020204030204" pitchFamily="34" charset="0"/>
+                <a:cs typeface="Arial" panose="020B0604020202020204" pitchFamily="34" charset="0"/>
+              </a:rPr>
+              <a:t>  }</a:t>
+            </a:r>
+            <a:br>
+              <a:rPr lang="en-US" sz="1200" dirty="0">
+                <a:solidFill>
+                  <a:srgbClr val="000000"/>
+                </a:solidFill>
+                <a:latin typeface="Calibri" panose="020F0502020204030204" pitchFamily="34" charset="0"/>
+                <a:ea typeface="Calibri" panose="020F0502020204030204" pitchFamily="34" charset="0"/>
+                <a:cs typeface="Arial" panose="020B0604020202020204" pitchFamily="34" charset="0"/>
+              </a:rPr>
+            </a:br>
+            <a:r>
+              <a:rPr lang="en-US" sz="1200" dirty="0">
+                <a:solidFill>
+                  <a:srgbClr val="000000"/>
+                </a:solidFill>
+                <a:latin typeface="Calibri" panose="020F0502020204030204" pitchFamily="34" charset="0"/>
+                <a:ea typeface="Calibri" panose="020F0502020204030204" pitchFamily="34" charset="0"/>
+                <a:cs typeface="Arial" panose="020B0604020202020204" pitchFamily="34" charset="0"/>
+              </a:rPr>
+              <a:t>}</a:t>
+            </a:r>
+            <a:br>
+              <a:rPr lang="en-US" sz="1200" dirty="0">
+                <a:solidFill>
+                  <a:srgbClr val="000000"/>
+                </a:solidFill>
+                <a:latin typeface="Calibri" panose="020F0502020204030204" pitchFamily="34" charset="0"/>
+                <a:ea typeface="Calibri" panose="020F0502020204030204" pitchFamily="34" charset="0"/>
+                <a:cs typeface="Arial" panose="020B0604020202020204" pitchFamily="34" charset="0"/>
+              </a:rPr>
+            </a:br>
+            <a:br>
+              <a:rPr lang="en-US" sz="1200" dirty="0">
+                <a:solidFill>
+                  <a:srgbClr val="000000"/>
+                </a:solidFill>
+                <a:latin typeface="Calibri" panose="020F0502020204030204" pitchFamily="34" charset="0"/>
+                <a:ea typeface="Calibri" panose="020F0502020204030204" pitchFamily="34" charset="0"/>
+                <a:cs typeface="Arial" panose="020B0604020202020204" pitchFamily="34" charset="0"/>
+              </a:rPr>
+            </a:br>
+            <a:r>
+              <a:rPr lang="en-US" sz="1200" b="1" dirty="0">
+                <a:solidFill>
+                  <a:srgbClr val="000080"/>
+                </a:solidFill>
+                <a:latin typeface="Calibri" panose="020F0502020204030204" pitchFamily="34" charset="0"/>
+                <a:ea typeface="Calibri" panose="020F0502020204030204" pitchFamily="34" charset="0"/>
+                <a:cs typeface="Arial" panose="020B0604020202020204" pitchFamily="34" charset="0"/>
+              </a:rPr>
+              <a:t>interface </a:t>
+            </a:r>
+            <a:r>
+              <a:rPr lang="en-US" sz="1200" dirty="0">
+                <a:solidFill>
+                  <a:srgbClr val="000000"/>
+                </a:solidFill>
+                <a:latin typeface="Calibri" panose="020F0502020204030204" pitchFamily="34" charset="0"/>
+                <a:ea typeface="Calibri" panose="020F0502020204030204" pitchFamily="34" charset="0"/>
+                <a:cs typeface="Arial" panose="020B0604020202020204" pitchFamily="34" charset="0"/>
+              </a:rPr>
+              <a:t>Contact {</a:t>
+            </a:r>
+            <a:br>
+              <a:rPr lang="en-US" sz="1200" dirty="0">
+                <a:solidFill>
+                  <a:srgbClr val="000000"/>
+                </a:solidFill>
+                <a:latin typeface="Calibri" panose="020F0502020204030204" pitchFamily="34" charset="0"/>
+                <a:ea typeface="Calibri" panose="020F0502020204030204" pitchFamily="34" charset="0"/>
+                <a:cs typeface="Arial" panose="020B0604020202020204" pitchFamily="34" charset="0"/>
+              </a:rPr>
+            </a:br>
+            <a:r>
+              <a:rPr lang="en-US" sz="1200" dirty="0">
+                <a:solidFill>
+                  <a:srgbClr val="000000"/>
+                </a:solidFill>
+                <a:latin typeface="Calibri" panose="020F0502020204030204" pitchFamily="34" charset="0"/>
+                <a:ea typeface="Calibri" panose="020F0502020204030204" pitchFamily="34" charset="0"/>
+                <a:cs typeface="Arial" panose="020B0604020202020204" pitchFamily="34" charset="0"/>
+              </a:rPr>
+              <a:t>  </a:t>
+            </a:r>
+            <a:r>
+              <a:rPr lang="en-US" sz="1200" b="1" dirty="0">
+                <a:solidFill>
+                  <a:srgbClr val="660E7A"/>
+                </a:solidFill>
+                <a:latin typeface="Calibri" panose="020F0502020204030204" pitchFamily="34" charset="0"/>
+                <a:ea typeface="Calibri" panose="020F0502020204030204" pitchFamily="34" charset="0"/>
+                <a:cs typeface="Arial" panose="020B0604020202020204" pitchFamily="34" charset="0"/>
+              </a:rPr>
+              <a:t>id</a:t>
+            </a:r>
+            <a:r>
+              <a:rPr lang="en-US" sz="1200" dirty="0">
+                <a:solidFill>
+                  <a:srgbClr val="000000"/>
+                </a:solidFill>
+                <a:latin typeface="Calibri" panose="020F0502020204030204" pitchFamily="34" charset="0"/>
+                <a:ea typeface="Calibri" panose="020F0502020204030204" pitchFamily="34" charset="0"/>
+                <a:cs typeface="Arial" panose="020B0604020202020204" pitchFamily="34" charset="0"/>
+              </a:rPr>
+              <a:t>: </a:t>
+            </a:r>
+            <a:r>
+              <a:rPr lang="en-US" sz="1200" b="1" dirty="0">
+                <a:solidFill>
+                  <a:srgbClr val="000080"/>
+                </a:solidFill>
+                <a:latin typeface="Calibri" panose="020F0502020204030204" pitchFamily="34" charset="0"/>
+                <a:ea typeface="Calibri" panose="020F0502020204030204" pitchFamily="34" charset="0"/>
+                <a:cs typeface="Arial" panose="020B0604020202020204" pitchFamily="34" charset="0"/>
+              </a:rPr>
+              <a:t>number</a:t>
+            </a:r>
+            <a:r>
+              <a:rPr lang="en-US" sz="1200" dirty="0">
+                <a:solidFill>
+                  <a:srgbClr val="000000"/>
+                </a:solidFill>
+                <a:latin typeface="Calibri" panose="020F0502020204030204" pitchFamily="34" charset="0"/>
+                <a:ea typeface="Calibri" panose="020F0502020204030204" pitchFamily="34" charset="0"/>
+                <a:cs typeface="Arial" panose="020B0604020202020204" pitchFamily="34" charset="0"/>
+              </a:rPr>
+              <a:t>;</a:t>
+            </a:r>
+            <a:br>
+              <a:rPr lang="en-US" sz="1200" dirty="0">
+                <a:solidFill>
+                  <a:srgbClr val="000000"/>
+                </a:solidFill>
+                <a:latin typeface="Calibri" panose="020F0502020204030204" pitchFamily="34" charset="0"/>
+                <a:ea typeface="Calibri" panose="020F0502020204030204" pitchFamily="34" charset="0"/>
+                <a:cs typeface="Arial" panose="020B0604020202020204" pitchFamily="34" charset="0"/>
+              </a:rPr>
+            </a:br>
+            <a:r>
+              <a:rPr lang="en-US" sz="1200" dirty="0">
+                <a:solidFill>
+                  <a:srgbClr val="000000"/>
+                </a:solidFill>
+                <a:latin typeface="Calibri" panose="020F0502020204030204" pitchFamily="34" charset="0"/>
+                <a:ea typeface="Calibri" panose="020F0502020204030204" pitchFamily="34" charset="0"/>
+                <a:cs typeface="Arial" panose="020B0604020202020204" pitchFamily="34" charset="0"/>
+              </a:rPr>
+              <a:t>  </a:t>
+            </a:r>
+            <a:r>
+              <a:rPr lang="en-US" sz="1200" b="1" dirty="0">
+                <a:solidFill>
+                  <a:srgbClr val="660E7A"/>
+                </a:solidFill>
+                <a:latin typeface="Calibri" panose="020F0502020204030204" pitchFamily="34" charset="0"/>
+                <a:ea typeface="Calibri" panose="020F0502020204030204" pitchFamily="34" charset="0"/>
+                <a:cs typeface="Arial" panose="020B0604020202020204" pitchFamily="34" charset="0"/>
+              </a:rPr>
+              <a:t>name</a:t>
+            </a:r>
+            <a:r>
+              <a:rPr lang="en-US" sz="1200" dirty="0">
+                <a:solidFill>
+                  <a:srgbClr val="000000"/>
+                </a:solidFill>
+                <a:latin typeface="Calibri" panose="020F0502020204030204" pitchFamily="34" charset="0"/>
+                <a:ea typeface="Calibri" panose="020F0502020204030204" pitchFamily="34" charset="0"/>
+                <a:cs typeface="Arial" panose="020B0604020202020204" pitchFamily="34" charset="0"/>
+              </a:rPr>
+              <a:t>: </a:t>
+            </a:r>
+            <a:r>
+              <a:rPr lang="en-US" sz="1200" b="1" dirty="0">
+                <a:solidFill>
+                  <a:srgbClr val="000080"/>
+                </a:solidFill>
+                <a:latin typeface="Calibri" panose="020F0502020204030204" pitchFamily="34" charset="0"/>
+                <a:ea typeface="Calibri" panose="020F0502020204030204" pitchFamily="34" charset="0"/>
+                <a:cs typeface="Arial" panose="020B0604020202020204" pitchFamily="34" charset="0"/>
+              </a:rPr>
+              <a:t>string</a:t>
+            </a:r>
+            <a:r>
+              <a:rPr lang="en-US" sz="1200" dirty="0">
+                <a:solidFill>
+                  <a:srgbClr val="000000"/>
+                </a:solidFill>
+                <a:latin typeface="Calibri" panose="020F0502020204030204" pitchFamily="34" charset="0"/>
+                <a:ea typeface="Calibri" panose="020F0502020204030204" pitchFamily="34" charset="0"/>
+                <a:cs typeface="Arial" panose="020B0604020202020204" pitchFamily="34" charset="0"/>
+              </a:rPr>
+              <a:t>;</a:t>
+            </a:r>
+            <a:br>
+              <a:rPr lang="en-US" sz="1200" dirty="0">
+                <a:solidFill>
+                  <a:srgbClr val="000000"/>
+                </a:solidFill>
+                <a:latin typeface="Calibri" panose="020F0502020204030204" pitchFamily="34" charset="0"/>
+                <a:ea typeface="Calibri" panose="020F0502020204030204" pitchFamily="34" charset="0"/>
+                <a:cs typeface="Arial" panose="020B0604020202020204" pitchFamily="34" charset="0"/>
+              </a:rPr>
+            </a:br>
+            <a:r>
+              <a:rPr lang="en-US" sz="1200" dirty="0">
+                <a:solidFill>
+                  <a:srgbClr val="000000"/>
+                </a:solidFill>
+                <a:latin typeface="Calibri" panose="020F0502020204030204" pitchFamily="34" charset="0"/>
+                <a:ea typeface="Calibri" panose="020F0502020204030204" pitchFamily="34" charset="0"/>
+                <a:cs typeface="Arial" panose="020B0604020202020204" pitchFamily="34" charset="0"/>
+              </a:rPr>
+              <a:t>}</a:t>
+            </a:r>
+            <a:endParaRPr lang="he-IL" sz="1200" dirty="0"/>
           </a:p>
         </p:txBody>
       </p:sp>
     </p:spTree>
     <p:extLst>
       <p:ext uri="{BB962C8B-B14F-4D97-AF65-F5344CB8AC3E}">
-        <p14:creationId xmlns:p14="http://schemas.microsoft.com/office/powerpoint/2010/main" val="3368584048"/>
+        <p14:creationId xmlns:p14="http://schemas.microsoft.com/office/powerpoint/2010/main" val="3492294924"/>
       </p:ext>
     </p:extLst>
   </p:cSld>
@@ -14637,7 +16043,7 @@
           <p:cNvPr id="2" name="Title 1">
             <a:extLst>
               <a:ext uri="{FF2B5EF4-FFF2-40B4-BE49-F238E27FC236}">
-                <a16:creationId xmlns:a16="http://schemas.microsoft.com/office/drawing/2014/main" id="{C35AF6B0-0EE9-406F-AD55-0FB665D2963A}"/>
+                <a16:creationId xmlns:a16="http://schemas.microsoft.com/office/drawing/2014/main" id="{7F272BE4-6000-4057-B8E8-15F122F683F1}"/>
               </a:ext>
             </a:extLst>
           </p:cNvPr>
@@ -14655,7 +16061,7 @@
           <a:p>
             <a:r>
               <a:rPr lang="en-US" dirty="0"/>
-              <a:t>More Commands</a:t>
+              <a:t>SCSS</a:t>
             </a:r>
             <a:endParaRPr lang="he-IL" dirty="0"/>
           </a:p>
@@ -14666,7 +16072,7 @@
           <p:cNvPr id="3" name="Footer Placeholder 2">
             <a:extLst>
               <a:ext uri="{FF2B5EF4-FFF2-40B4-BE49-F238E27FC236}">
-                <a16:creationId xmlns:a16="http://schemas.microsoft.com/office/drawing/2014/main" id="{30D0473B-8424-4E97-8933-FD82DDD75A75}"/>
+                <a16:creationId xmlns:a16="http://schemas.microsoft.com/office/drawing/2014/main" id="{E6EE77EF-DE71-4458-86DF-E46C5EB01007}"/>
               </a:ext>
             </a:extLst>
           </p:cNvPr>
@@ -14695,7 +16101,7 @@
           <p:cNvPr id="4" name="Slide Number Placeholder 3">
             <a:extLst>
               <a:ext uri="{FF2B5EF4-FFF2-40B4-BE49-F238E27FC236}">
-                <a16:creationId xmlns:a16="http://schemas.microsoft.com/office/drawing/2014/main" id="{BBC4DB1C-FF55-4D61-969E-DE9094166C29}"/>
+                <a16:creationId xmlns:a16="http://schemas.microsoft.com/office/drawing/2014/main" id="{9D5BDEBF-C085-4D4E-87EC-24F306FF7AC7}"/>
               </a:ext>
             </a:extLst>
           </p:cNvPr>
@@ -14727,7 +16133,7 @@
           <p:cNvPr id="5" name="Content Placeholder 4">
             <a:extLst>
               <a:ext uri="{FF2B5EF4-FFF2-40B4-BE49-F238E27FC236}">
-                <a16:creationId xmlns:a16="http://schemas.microsoft.com/office/drawing/2014/main" id="{42016BE0-C79B-40A1-9EB4-D3057A6EE9F7}"/>
+                <a16:creationId xmlns:a16="http://schemas.microsoft.com/office/drawing/2014/main" id="{4DFC5A27-7380-4C18-96EA-1EA38C51FE40}"/>
               </a:ext>
             </a:extLst>
           </p:cNvPr>
@@ -14745,58 +16151,79 @@
           <a:p>
             <a:r>
               <a:rPr lang="en-US" dirty="0"/>
-              <a:t>https://github.com/angular/angular-cli/wiki</a:t>
+              <a:t>By default @angular/cli uses simple CSS files</a:t>
             </a:r>
           </a:p>
           <a:p>
             <a:r>
               <a:rPr lang="en-US" dirty="0"/>
-              <a:t>ng lint</a:t>
-            </a:r>
-          </a:p>
-          <a:p>
+              <a:t>You may fix that</a:t>
+            </a:r>
+          </a:p>
+          <a:p>
+            <a:pPr lvl="1"/>
             <a:r>
               <a:rPr lang="en-US" dirty="0"/>
-              <a:t>ng test</a:t>
-            </a:r>
-          </a:p>
-          <a:p>
+              <a:t>defaults/</a:t>
+            </a:r>
+            <a:r>
+              <a:rPr lang="en-US" dirty="0" err="1"/>
+              <a:t>styleExt</a:t>
+            </a:r>
             <a:r>
               <a:rPr lang="en-US" dirty="0"/>
-              <a:t>ng e2e</a:t>
-            </a:r>
-          </a:p>
-          <a:p>
-            <a:r>
-              <a:rPr lang="en-US" dirty="0"/>
-              <a:t>ng build</a:t>
-            </a:r>
-          </a:p>
-          <a:p>
-            <a:r>
-              <a:rPr lang="en-US" dirty="0"/>
-              <a:t>ng get/set</a:t>
-            </a:r>
-          </a:p>
-          <a:p>
+              <a:t> </a:t>
+            </a:r>
             <a:r>
               <a:rPr lang="en-US" dirty="0">
+                <a:sym typeface="Wingdings" panose="05000000000000000000" pitchFamily="2" charset="2"/>
+              </a:rPr>
+              <a:t> </a:t>
+            </a:r>
+            <a:r>
+              <a:rPr lang="en-US" dirty="0" err="1">
                 <a:solidFill>
                   <a:srgbClr val="FF0000"/>
                 </a:solidFill>
-              </a:rPr>
-              <a:t>ng eject</a:t>
-            </a:r>
-          </a:p>
-          <a:p>
-            <a:endParaRPr lang="he-IL" dirty="0"/>
+                <a:sym typeface="Wingdings" panose="05000000000000000000" pitchFamily="2" charset="2"/>
+              </a:rPr>
+              <a:t>scss</a:t>
+            </a:r>
+            <a:endParaRPr lang="en-US" dirty="0">
+              <a:solidFill>
+                <a:srgbClr val="FF0000"/>
+              </a:solidFill>
+              <a:sym typeface="Wingdings" panose="05000000000000000000" pitchFamily="2" charset="2"/>
+            </a:endParaRPr>
+          </a:p>
+          <a:p>
+            <a:r>
+              <a:rPr lang="en-US" dirty="0">
+                <a:sym typeface="Wingdings" panose="05000000000000000000" pitchFamily="2" charset="2"/>
+              </a:rPr>
+              <a:t>You should also rename </a:t>
+            </a:r>
+            <a:r>
+              <a:rPr lang="en-US" dirty="0">
+                <a:solidFill>
+                  <a:srgbClr val="FF0000"/>
+                </a:solidFill>
+                <a:sym typeface="Wingdings" panose="05000000000000000000" pitchFamily="2" charset="2"/>
+              </a:rPr>
+              <a:t>app/styles.css</a:t>
+            </a:r>
+            <a:endParaRPr lang="he-IL" dirty="0">
+              <a:solidFill>
+                <a:srgbClr val="FF0000"/>
+              </a:solidFill>
+            </a:endParaRPr>
           </a:p>
         </p:txBody>
       </p:sp>
     </p:spTree>
     <p:extLst>
       <p:ext uri="{BB962C8B-B14F-4D97-AF65-F5344CB8AC3E}">
-        <p14:creationId xmlns:p14="http://schemas.microsoft.com/office/powerpoint/2010/main" val="4086847533"/>
+        <p14:creationId xmlns:p14="http://schemas.microsoft.com/office/powerpoint/2010/main" val="109823293"/>
       </p:ext>
     </p:extLst>
   </p:cSld>
@@ -14828,7 +16255,7 @@
           <p:cNvPr id="2" name="Title 1">
             <a:extLst>
               <a:ext uri="{FF2B5EF4-FFF2-40B4-BE49-F238E27FC236}">
-                <a16:creationId xmlns:a16="http://schemas.microsoft.com/office/drawing/2014/main" id="{F2192F09-F8C3-40F9-BCBB-D330D991EE84}"/>
+                <a16:creationId xmlns:a16="http://schemas.microsoft.com/office/drawing/2014/main" id="{E85AF416-D864-420A-BC65-6E0F1827F471}"/>
               </a:ext>
             </a:extLst>
           </p:cNvPr>
@@ -14845,8 +16272,12 @@
           <a:lstStyle/>
           <a:p>
             <a:r>
+              <a:rPr lang="en-US" dirty="0" err="1"/>
+              <a:t>src</a:t>
+            </a:r>
+            <a:r>
               <a:rPr lang="en-US" dirty="0"/>
-              <a:t>@angular/cli stories</a:t>
+              <a:t>/style.css</a:t>
             </a:r>
             <a:endParaRPr lang="he-IL" dirty="0"/>
           </a:p>
@@ -14857,7 +16288,7 @@
           <p:cNvPr id="3" name="Footer Placeholder 2">
             <a:extLst>
               <a:ext uri="{FF2B5EF4-FFF2-40B4-BE49-F238E27FC236}">
-                <a16:creationId xmlns:a16="http://schemas.microsoft.com/office/drawing/2014/main" id="{8FF55013-62B3-41BB-ADBC-A023017DFF57}"/>
+                <a16:creationId xmlns:a16="http://schemas.microsoft.com/office/drawing/2014/main" id="{0B271DDD-E034-4DD7-BD2E-4CF68C1FD07C}"/>
               </a:ext>
             </a:extLst>
           </p:cNvPr>
@@ -14886,7 +16317,7 @@
           <p:cNvPr id="4" name="Slide Number Placeholder 3">
             <a:extLst>
               <a:ext uri="{FF2B5EF4-FFF2-40B4-BE49-F238E27FC236}">
-                <a16:creationId xmlns:a16="http://schemas.microsoft.com/office/drawing/2014/main" id="{F307C59E-7D5B-46F4-923A-F989B5A1E2CA}"/>
+                <a16:creationId xmlns:a16="http://schemas.microsoft.com/office/drawing/2014/main" id="{76278A62-0FFB-4CF2-876F-AAFFC1039CE0}"/>
               </a:ext>
             </a:extLst>
           </p:cNvPr>
@@ -14918,7 +16349,7 @@
           <p:cNvPr id="5" name="Content Placeholder 4">
             <a:extLst>
               <a:ext uri="{FF2B5EF4-FFF2-40B4-BE49-F238E27FC236}">
-                <a16:creationId xmlns:a16="http://schemas.microsoft.com/office/drawing/2014/main" id="{2596F23B-3698-4D31-A6FC-87F31F98D5BC}"/>
+                <a16:creationId xmlns:a16="http://schemas.microsoft.com/office/drawing/2014/main" id="{1B9EF0D1-0653-4CC4-A724-8F7433715BD9}"/>
               </a:ext>
             </a:extLst>
           </p:cNvPr>
@@ -14935,50 +16366,36 @@
           <a:lstStyle/>
           <a:p>
             <a:r>
-              <a:rPr lang="en-US" dirty="0">
-                <a:hlinkClick r:id="rId2"/>
-              </a:rPr>
-              <a:t>https://github.com/angular/angular-cli/wiki/stories</a:t>
-            </a:r>
-            <a:endParaRPr lang="en-US" dirty="0"/>
-          </a:p>
-          <a:p>
-            <a:r>
               <a:rPr lang="en-US" dirty="0"/>
-              <a:t>HMR</a:t>
+              <a:t>A global CSS that is injected into index.html</a:t>
             </a:r>
           </a:p>
           <a:p>
             <a:r>
               <a:rPr lang="en-US" dirty="0"/>
-              <a:t>Proxy</a:t>
-            </a:r>
-          </a:p>
-          <a:p>
+              <a:t>Use it to </a:t>
+            </a:r>
+          </a:p>
+          <a:p>
+            <a:pPr lvl="1"/>
             <a:r>
               <a:rPr lang="en-US" dirty="0"/>
-              <a:t>Routing</a:t>
-            </a:r>
-          </a:p>
-          <a:p>
+              <a:t>Define styling prior Angular load</a:t>
+            </a:r>
+          </a:p>
+          <a:p>
+            <a:pPr lvl="1"/>
             <a:r>
               <a:rPr lang="en-US" dirty="0"/>
-              <a:t>Bootstrap</a:t>
-            </a:r>
-          </a:p>
-          <a:p>
-            <a:r>
-              <a:rPr lang="en-US" dirty="0"/>
-              <a:t>Many more</a:t>
-            </a:r>
-            <a:endParaRPr lang="he-IL" dirty="0"/>
+              <a:t>Global application theme</a:t>
+            </a:r>
           </a:p>
         </p:txBody>
       </p:sp>
     </p:spTree>
     <p:extLst>
       <p:ext uri="{BB962C8B-B14F-4D97-AF65-F5344CB8AC3E}">
-        <p14:creationId xmlns:p14="http://schemas.microsoft.com/office/powerpoint/2010/main" val="1220231138"/>
+        <p14:creationId xmlns:p14="http://schemas.microsoft.com/office/powerpoint/2010/main" val="3368584048"/>
       </p:ext>
     </p:extLst>
   </p:cSld>
@@ -15007,7 +16424,13 @@
       </p:grpSpPr>
       <p:sp>
         <p:nvSpPr>
-          <p:cNvPr id="2" name="Title 1"/>
+          <p:cNvPr id="2" name="Title 1">
+            <a:extLst>
+              <a:ext uri="{FF2B5EF4-FFF2-40B4-BE49-F238E27FC236}">
+                <a16:creationId xmlns:a16="http://schemas.microsoft.com/office/drawing/2014/main" id="{C35AF6B0-0EE9-406F-AD55-0FB665D2963A}"/>
+              </a:ext>
+            </a:extLst>
+          </p:cNvPr>
           <p:cNvSpPr>
             <a:spLocks noGrp="1"/>
           </p:cNvSpPr>
@@ -15022,7 +16445,7 @@
           <a:p>
             <a:r>
               <a:rPr lang="en-US" dirty="0"/>
-              <a:t>Summary</a:t>
+              <a:t>More Commands</a:t>
             </a:r>
             <a:endParaRPr lang="he-IL" dirty="0"/>
           </a:p>
@@ -15030,7 +16453,13 @@
       </p:sp>
       <p:sp>
         <p:nvSpPr>
-          <p:cNvPr id="3" name="Footer Placeholder 2"/>
+          <p:cNvPr id="3" name="Footer Placeholder 2">
+            <a:extLst>
+              <a:ext uri="{FF2B5EF4-FFF2-40B4-BE49-F238E27FC236}">
+                <a16:creationId xmlns:a16="http://schemas.microsoft.com/office/drawing/2014/main" id="{30D0473B-8424-4E97-8933-FD82DDD75A75}"/>
+              </a:ext>
+            </a:extLst>
+          </p:cNvPr>
           <p:cNvSpPr>
             <a:spLocks noGrp="1"/>
           </p:cNvSpPr>
@@ -15053,7 +16482,13 @@
       </p:sp>
       <p:sp>
         <p:nvSpPr>
-          <p:cNvPr id="4" name="Slide Number Placeholder 3"/>
+          <p:cNvPr id="4" name="Slide Number Placeholder 3">
+            <a:extLst>
+              <a:ext uri="{FF2B5EF4-FFF2-40B4-BE49-F238E27FC236}">
+                <a16:creationId xmlns:a16="http://schemas.microsoft.com/office/drawing/2014/main" id="{BBC4DB1C-FF55-4D61-969E-DE9094166C29}"/>
+              </a:ext>
+            </a:extLst>
+          </p:cNvPr>
           <p:cNvSpPr>
             <a:spLocks noGrp="1"/>
           </p:cNvSpPr>
@@ -15072,6 +16507,361 @@
               <a:rPr lang="en-US" smtClean="0"/>
               <a:pPr/>
               <a:t>32</a:t>
+            </a:fld>
+            <a:endParaRPr lang="en-US"/>
+          </a:p>
+        </p:txBody>
+      </p:sp>
+      <p:sp>
+        <p:nvSpPr>
+          <p:cNvPr id="5" name="Content Placeholder 4">
+            <a:extLst>
+              <a:ext uri="{FF2B5EF4-FFF2-40B4-BE49-F238E27FC236}">
+                <a16:creationId xmlns:a16="http://schemas.microsoft.com/office/drawing/2014/main" id="{42016BE0-C79B-40A1-9EB4-D3057A6EE9F7}"/>
+              </a:ext>
+            </a:extLst>
+          </p:cNvPr>
+          <p:cNvSpPr>
+            <a:spLocks noGrp="1"/>
+          </p:cNvSpPr>
+          <p:nvPr>
+            <p:ph sz="quarter" idx="1"/>
+          </p:nvPr>
+        </p:nvSpPr>
+        <p:spPr/>
+        <p:txBody>
+          <a:bodyPr/>
+          <a:lstStyle/>
+          <a:p>
+            <a:r>
+              <a:rPr lang="en-US" dirty="0"/>
+              <a:t>https://github.com/angular/angular-cli/wiki</a:t>
+            </a:r>
+          </a:p>
+          <a:p>
+            <a:r>
+              <a:rPr lang="en-US" dirty="0"/>
+              <a:t>ng lint</a:t>
+            </a:r>
+          </a:p>
+          <a:p>
+            <a:r>
+              <a:rPr lang="en-US" dirty="0"/>
+              <a:t>ng test</a:t>
+            </a:r>
+          </a:p>
+          <a:p>
+            <a:r>
+              <a:rPr lang="en-US" dirty="0"/>
+              <a:t>ng e2e</a:t>
+            </a:r>
+          </a:p>
+          <a:p>
+            <a:r>
+              <a:rPr lang="en-US" dirty="0"/>
+              <a:t>ng build</a:t>
+            </a:r>
+          </a:p>
+          <a:p>
+            <a:r>
+              <a:rPr lang="en-US" dirty="0"/>
+              <a:t>ng get/set</a:t>
+            </a:r>
+          </a:p>
+          <a:p>
+            <a:r>
+              <a:rPr lang="en-US" dirty="0">
+                <a:solidFill>
+                  <a:srgbClr val="FF0000"/>
+                </a:solidFill>
+              </a:rPr>
+              <a:t>ng eject</a:t>
+            </a:r>
+          </a:p>
+          <a:p>
+            <a:endParaRPr lang="he-IL" dirty="0"/>
+          </a:p>
+        </p:txBody>
+      </p:sp>
+    </p:spTree>
+    <p:extLst>
+      <p:ext uri="{BB962C8B-B14F-4D97-AF65-F5344CB8AC3E}">
+        <p14:creationId xmlns:p14="http://schemas.microsoft.com/office/powerpoint/2010/main" val="4086847533"/>
+      </p:ext>
+    </p:extLst>
+  </p:cSld>
+  <p:clrMapOvr>
+    <a:masterClrMapping/>
+  </p:clrMapOvr>
+</p:sld>
+</file>
+
+<file path=ppt/slides/slide33.xml><?xml version="1.0" encoding="utf-8"?>
+<p:sld xmlns:a="http://schemas.openxmlformats.org/drawingml/2006/main" xmlns:r="http://schemas.openxmlformats.org/officeDocument/2006/relationships" xmlns:p="http://schemas.openxmlformats.org/presentationml/2006/main">
+  <p:cSld>
+    <p:spTree>
+      <p:nvGrpSpPr>
+        <p:cNvPr id="1" name=""/>
+        <p:cNvGrpSpPr/>
+        <p:nvPr/>
+      </p:nvGrpSpPr>
+      <p:grpSpPr>
+        <a:xfrm>
+          <a:off x="0" y="0"/>
+          <a:ext cx="0" cy="0"/>
+          <a:chOff x="0" y="0"/>
+          <a:chExt cx="0" cy="0"/>
+        </a:xfrm>
+      </p:grpSpPr>
+      <p:sp>
+        <p:nvSpPr>
+          <p:cNvPr id="2" name="Title 1">
+            <a:extLst>
+              <a:ext uri="{FF2B5EF4-FFF2-40B4-BE49-F238E27FC236}">
+                <a16:creationId xmlns:a16="http://schemas.microsoft.com/office/drawing/2014/main" id="{F2192F09-F8C3-40F9-BCBB-D330D991EE84}"/>
+              </a:ext>
+            </a:extLst>
+          </p:cNvPr>
+          <p:cNvSpPr>
+            <a:spLocks noGrp="1"/>
+          </p:cNvSpPr>
+          <p:nvPr>
+            <p:ph type="title"/>
+          </p:nvPr>
+        </p:nvSpPr>
+        <p:spPr/>
+        <p:txBody>
+          <a:bodyPr/>
+          <a:lstStyle/>
+          <a:p>
+            <a:r>
+              <a:rPr lang="en-US" dirty="0"/>
+              <a:t>@angular/cli stories</a:t>
+            </a:r>
+            <a:endParaRPr lang="he-IL" dirty="0"/>
+          </a:p>
+        </p:txBody>
+      </p:sp>
+      <p:sp>
+        <p:nvSpPr>
+          <p:cNvPr id="3" name="Footer Placeholder 2">
+            <a:extLst>
+              <a:ext uri="{FF2B5EF4-FFF2-40B4-BE49-F238E27FC236}">
+                <a16:creationId xmlns:a16="http://schemas.microsoft.com/office/drawing/2014/main" id="{8FF55013-62B3-41BB-ADBC-A023017DFF57}"/>
+              </a:ext>
+            </a:extLst>
+          </p:cNvPr>
+          <p:cNvSpPr>
+            <a:spLocks noGrp="1"/>
+          </p:cNvSpPr>
+          <p:nvPr>
+            <p:ph type="ftr" sz="quarter" idx="11"/>
+          </p:nvPr>
+        </p:nvSpPr>
+        <p:spPr/>
+        <p:txBody>
+          <a:bodyPr/>
+          <a:lstStyle/>
+          <a:p>
+            <a:r>
+              <a:rPr lang="en-US"/>
+              <a:t>© 2017 Ori Calvo</a:t>
+            </a:r>
+            <a:endParaRPr lang="en-US" dirty="0"/>
+          </a:p>
+        </p:txBody>
+      </p:sp>
+      <p:sp>
+        <p:nvSpPr>
+          <p:cNvPr id="4" name="Slide Number Placeholder 3">
+            <a:extLst>
+              <a:ext uri="{FF2B5EF4-FFF2-40B4-BE49-F238E27FC236}">
+                <a16:creationId xmlns:a16="http://schemas.microsoft.com/office/drawing/2014/main" id="{F307C59E-7D5B-46F4-923A-F989B5A1E2CA}"/>
+              </a:ext>
+            </a:extLst>
+          </p:cNvPr>
+          <p:cNvSpPr>
+            <a:spLocks noGrp="1"/>
+          </p:cNvSpPr>
+          <p:nvPr>
+            <p:ph type="sldNum" sz="quarter" idx="12"/>
+          </p:nvPr>
+        </p:nvSpPr>
+        <p:spPr/>
+        <p:txBody>
+          <a:bodyPr>
+            <a:normAutofit fontScale="85000" lnSpcReduction="20000"/>
+          </a:bodyPr>
+          <a:lstStyle/>
+          <a:p>
+            <a:fld id="{6EDEC3BC-0694-4586-AE63-02B4D54ABF43}" type="slidenum">
+              <a:rPr lang="en-US" smtClean="0"/>
+              <a:pPr/>
+              <a:t>33</a:t>
+            </a:fld>
+            <a:endParaRPr lang="en-US"/>
+          </a:p>
+        </p:txBody>
+      </p:sp>
+      <p:sp>
+        <p:nvSpPr>
+          <p:cNvPr id="5" name="Content Placeholder 4">
+            <a:extLst>
+              <a:ext uri="{FF2B5EF4-FFF2-40B4-BE49-F238E27FC236}">
+                <a16:creationId xmlns:a16="http://schemas.microsoft.com/office/drawing/2014/main" id="{2596F23B-3698-4D31-A6FC-87F31F98D5BC}"/>
+              </a:ext>
+            </a:extLst>
+          </p:cNvPr>
+          <p:cNvSpPr>
+            <a:spLocks noGrp="1"/>
+          </p:cNvSpPr>
+          <p:nvPr>
+            <p:ph sz="quarter" idx="1"/>
+          </p:nvPr>
+        </p:nvSpPr>
+        <p:spPr/>
+        <p:txBody>
+          <a:bodyPr/>
+          <a:lstStyle/>
+          <a:p>
+            <a:r>
+              <a:rPr lang="en-US" dirty="0">
+                <a:hlinkClick r:id="rId2"/>
+              </a:rPr>
+              <a:t>https://github.com/angular/angular-cli/wiki/stories</a:t>
+            </a:r>
+            <a:endParaRPr lang="en-US" dirty="0"/>
+          </a:p>
+          <a:p>
+            <a:r>
+              <a:rPr lang="en-US" dirty="0"/>
+              <a:t>HMR</a:t>
+            </a:r>
+          </a:p>
+          <a:p>
+            <a:r>
+              <a:rPr lang="en-US" dirty="0"/>
+              <a:t>Proxy</a:t>
+            </a:r>
+          </a:p>
+          <a:p>
+            <a:r>
+              <a:rPr lang="en-US" dirty="0"/>
+              <a:t>Routing</a:t>
+            </a:r>
+          </a:p>
+          <a:p>
+            <a:r>
+              <a:rPr lang="en-US" dirty="0"/>
+              <a:t>Bootstrap</a:t>
+            </a:r>
+          </a:p>
+          <a:p>
+            <a:r>
+              <a:rPr lang="en-US" dirty="0"/>
+              <a:t>Many more</a:t>
+            </a:r>
+            <a:endParaRPr lang="he-IL" dirty="0"/>
+          </a:p>
+        </p:txBody>
+      </p:sp>
+    </p:spTree>
+    <p:extLst>
+      <p:ext uri="{BB962C8B-B14F-4D97-AF65-F5344CB8AC3E}">
+        <p14:creationId xmlns:p14="http://schemas.microsoft.com/office/powerpoint/2010/main" val="1220231138"/>
+      </p:ext>
+    </p:extLst>
+  </p:cSld>
+  <p:clrMapOvr>
+    <a:masterClrMapping/>
+  </p:clrMapOvr>
+</p:sld>
+</file>
+
+<file path=ppt/slides/slide34.xml><?xml version="1.0" encoding="utf-8"?>
+<p:sld xmlns:a="http://schemas.openxmlformats.org/drawingml/2006/main" xmlns:r="http://schemas.openxmlformats.org/officeDocument/2006/relationships" xmlns:p="http://schemas.openxmlformats.org/presentationml/2006/main">
+  <p:cSld>
+    <p:spTree>
+      <p:nvGrpSpPr>
+        <p:cNvPr id="1" name=""/>
+        <p:cNvGrpSpPr/>
+        <p:nvPr/>
+      </p:nvGrpSpPr>
+      <p:grpSpPr>
+        <a:xfrm>
+          <a:off x="0" y="0"/>
+          <a:ext cx="0" cy="0"/>
+          <a:chOff x="0" y="0"/>
+          <a:chExt cx="0" cy="0"/>
+        </a:xfrm>
+      </p:grpSpPr>
+      <p:sp>
+        <p:nvSpPr>
+          <p:cNvPr id="2" name="Title 1"/>
+          <p:cNvSpPr>
+            <a:spLocks noGrp="1"/>
+          </p:cNvSpPr>
+          <p:nvPr>
+            <p:ph type="title"/>
+          </p:nvPr>
+        </p:nvSpPr>
+        <p:spPr/>
+        <p:txBody>
+          <a:bodyPr/>
+          <a:lstStyle/>
+          <a:p>
+            <a:r>
+              <a:rPr lang="en-US" dirty="0"/>
+              <a:t>Summary</a:t>
+            </a:r>
+            <a:endParaRPr lang="he-IL" dirty="0"/>
+          </a:p>
+        </p:txBody>
+      </p:sp>
+      <p:sp>
+        <p:nvSpPr>
+          <p:cNvPr id="3" name="Footer Placeholder 2"/>
+          <p:cNvSpPr>
+            <a:spLocks noGrp="1"/>
+          </p:cNvSpPr>
+          <p:nvPr>
+            <p:ph type="ftr" sz="quarter" idx="11"/>
+          </p:nvPr>
+        </p:nvSpPr>
+        <p:spPr/>
+        <p:txBody>
+          <a:bodyPr/>
+          <a:lstStyle/>
+          <a:p>
+            <a:r>
+              <a:rPr lang="en-US"/>
+              <a:t>© 2017 Ori Calvo</a:t>
+            </a:r>
+            <a:endParaRPr lang="en-US" dirty="0"/>
+          </a:p>
+        </p:txBody>
+      </p:sp>
+      <p:sp>
+        <p:nvSpPr>
+          <p:cNvPr id="4" name="Slide Number Placeholder 3"/>
+          <p:cNvSpPr>
+            <a:spLocks noGrp="1"/>
+          </p:cNvSpPr>
+          <p:nvPr>
+            <p:ph type="sldNum" sz="quarter" idx="12"/>
+          </p:nvPr>
+        </p:nvSpPr>
+        <p:spPr/>
+        <p:txBody>
+          <a:bodyPr>
+            <a:normAutofit fontScale="85000" lnSpcReduction="20000"/>
+          </a:bodyPr>
+          <a:lstStyle/>
+          <a:p>
+            <a:fld id="{6EDEC3BC-0694-4586-AE63-02B4D54ABF43}" type="slidenum">
+              <a:rPr lang="en-US" smtClean="0"/>
+              <a:pPr/>
+              <a:t>34</a:t>
             </a:fld>
             <a:endParaRPr lang="en-US"/>
           </a:p>
